--- a/Ch15_CSS3动画/15.CSS3动画.pptx
+++ b/Ch15_CSS3动画/15.CSS3动画.pptx
@@ -6,29 +6,28 @@
     <p:sldMasterId id="2147483681" r:id="rId2"/>
   </p:sldMasterIdLst>
   <p:notesMasterIdLst>
-    <p:notesMasterId r:id="rId23"/>
+    <p:notesMasterId r:id="rId22"/>
   </p:notesMasterIdLst>
   <p:sldIdLst>
     <p:sldId id="257" r:id="rId3"/>
-    <p:sldId id="286" r:id="rId4"/>
-    <p:sldId id="288" r:id="rId5"/>
-    <p:sldId id="262" r:id="rId6"/>
-    <p:sldId id="258" r:id="rId7"/>
-    <p:sldId id="296" r:id="rId8"/>
-    <p:sldId id="311" r:id="rId9"/>
-    <p:sldId id="260" r:id="rId10"/>
-    <p:sldId id="289" r:id="rId11"/>
-    <p:sldId id="290" r:id="rId12"/>
-    <p:sldId id="309" r:id="rId13"/>
-    <p:sldId id="310" r:id="rId14"/>
-    <p:sldId id="307" r:id="rId15"/>
-    <p:sldId id="312" r:id="rId16"/>
-    <p:sldId id="313" r:id="rId17"/>
-    <p:sldId id="314" r:id="rId18"/>
-    <p:sldId id="315" r:id="rId19"/>
-    <p:sldId id="316" r:id="rId20"/>
-    <p:sldId id="283" r:id="rId21"/>
-    <p:sldId id="285" r:id="rId22"/>
+    <p:sldId id="288" r:id="rId4"/>
+    <p:sldId id="262" r:id="rId5"/>
+    <p:sldId id="258" r:id="rId6"/>
+    <p:sldId id="296" r:id="rId7"/>
+    <p:sldId id="311" r:id="rId8"/>
+    <p:sldId id="260" r:id="rId9"/>
+    <p:sldId id="289" r:id="rId10"/>
+    <p:sldId id="290" r:id="rId11"/>
+    <p:sldId id="309" r:id="rId12"/>
+    <p:sldId id="310" r:id="rId13"/>
+    <p:sldId id="307" r:id="rId14"/>
+    <p:sldId id="312" r:id="rId15"/>
+    <p:sldId id="313" r:id="rId16"/>
+    <p:sldId id="314" r:id="rId17"/>
+    <p:sldId id="315" r:id="rId18"/>
+    <p:sldId id="316" r:id="rId19"/>
+    <p:sldId id="283" r:id="rId20"/>
+    <p:sldId id="285" r:id="rId21"/>
   </p:sldIdLst>
   <p:sldSz cx="12192000" cy="6858000"/>
   <p:notesSz cx="7104063" cy="10234613"/>
@@ -228,7 +227,7 @@
           <a:p>
             <a:fld id="{D2A48B96-639E-45A3-A0BA-2464DFDB1FAA}" type="datetimeFigureOut">
               <a:rPr lang="zh-CN" altLang="en-US" smtClean="0"/>
-              <a:t>2017/5/19</a:t>
+              <a:t>2017/8/16</a:t>
             </a:fld>
             <a:endParaRPr lang="zh-CN" altLang="en-US"/>
           </a:p>
@@ -665,8 +664,16 @@
 </file>
 
 <file path=ppt/notesSlides/notesSlide11.xml><?xml version="1.0" encoding="utf-8"?>
-<p:notes xmlns:a="http://schemas.openxmlformats.org/drawingml/2006/main" xmlns:r="http://schemas.openxmlformats.org/officeDocument/2006/relationships" xmlns:p="http://schemas.openxmlformats.org/presentationml/2006/main">
+<p:notes xmlns:a="http://schemas.openxmlformats.org/drawingml/2006/main" xmlns:r="http://schemas.openxmlformats.org/officeDocument/2006/relationships" xmlns:p="http://schemas.openxmlformats.org/presentationml/2006/main" showMasterSp="0">
   <p:cSld>
+    <p:bg bwMode="auto">
+      <p:bgPr>
+        <a:solidFill>
+          <a:schemeClr val="bg1"/>
+        </a:solidFill>
+        <a:effectLst/>
+      </p:bgPr>
+    </p:bg>
     <p:spTree>
       <p:nvGrpSpPr>
         <p:cNvPr id="1" name=""/>
@@ -683,9 +690,9 @@
       </p:grpSpPr>
       <p:sp>
         <p:nvSpPr>
-          <p:cNvPr id="2" name="幻灯片图像占位符 1"/>
-          <p:cNvSpPr>
-            <a:spLocks noGrp="1" noRot="1" noChangeAspect="1"/>
+          <p:cNvPr id="13314" name="幻灯片图像占位符 1"/>
+          <p:cNvSpPr>
+            <a:spLocks noGrp="1" noRot="1" noChangeAspect="1" noTextEdit="1"/>
           </p:cNvSpPr>
           <p:nvPr>
             <p:ph type="sldImg"/>
@@ -696,54 +703,208 @@
             <a:off x="481013" y="1279525"/>
             <a:ext cx="6140450" cy="3454400"/>
           </a:xfrm>
+          <a:noFill/>
+          <a:ln>
+            <a:solidFill>
+              <a:srgbClr val="000000"/>
+            </a:solidFill>
+            <a:miter lim="800000"/>
+          </a:ln>
         </p:spPr>
       </p:sp>
       <p:sp>
         <p:nvSpPr>
-          <p:cNvPr id="3" name="备注占位符 2"/>
-          <p:cNvSpPr>
-            <a:spLocks noGrp="1"/>
+          <p:cNvPr id="13315" name="备注占位符 2"/>
+          <p:cNvSpPr>
+            <a:spLocks noGrp="1" noChangeArrowheads="1"/>
           </p:cNvSpPr>
           <p:nvPr>
             <p:ph type="body" idx="1"/>
           </p:nvPr>
         </p:nvSpPr>
-        <p:spPr/>
-        <p:txBody>
-          <a:bodyPr/>
+        <p:spPr>
+          <a:noFill/>
+        </p:spPr>
+        <p:txBody>
+          <a:bodyPr anchor="t"/>
           <a:lstStyle/>
           <a:p>
+            <a:pPr eaLnBrk="1" hangingPunct="1">
+              <a:spcBef>
+                <a:spcPct val="0"/>
+              </a:spcBef>
+            </a:pPr>
             <a:endParaRPr lang="zh-CN" altLang="en-US"/>
           </a:p>
         </p:txBody>
       </p:sp>
       <p:sp>
         <p:nvSpPr>
-          <p:cNvPr id="4" name="灯片编号占位符 3"/>
-          <p:cNvSpPr>
-            <a:spLocks noGrp="1"/>
-          </p:cNvSpPr>
-          <p:nvPr>
-            <p:ph type="sldNum" sz="quarter" idx="10"/>
-          </p:nvPr>
-        </p:nvSpPr>
-        <p:spPr/>
-        <p:txBody>
-          <a:bodyPr/>
-          <a:lstStyle/>
-          <a:p>
-            <a:fld id="{4E38F04A-84B0-4E5D-A1A7-EE43D6EF2A66}" type="slidenum">
-              <a:rPr lang="zh-CN" altLang="en-US" smtClean="0"/>
+          <p:cNvPr id="13316" name="灯片编号占位符 3"/>
+          <p:cNvSpPr txBox="1">
+            <a:spLocks noGrp="1" noChangeArrowheads="1"/>
+          </p:cNvSpPr>
+          <p:nvPr/>
+        </p:nvSpPr>
+        <p:spPr bwMode="auto">
+          <a:xfrm>
+            <a:off x="3883025" y="8685213"/>
+            <a:ext cx="2973388" cy="458787"/>
+          </a:xfrm>
+          <a:prstGeom prst="rect">
+            <a:avLst/>
+          </a:prstGeom>
+          <a:noFill/>
+          <a:ln>
+            <a:noFill/>
+          </a:ln>
+          <a:extLst>
+            <a:ext uri="{909E8E84-426E-40DD-AFC4-6F175D3DCCD1}">
+              <a14:hiddenFill xmlns:a14="http://schemas.microsoft.com/office/drawing/2010/main">
+                <a:solidFill>
+                  <a:srgbClr val="FFFFFF"/>
+                </a:solidFill>
+              </a14:hiddenFill>
+            </a:ext>
+            <a:ext uri="{91240B29-F687-4F45-9708-019B960494DF}">
+              <a14:hiddenLine xmlns:a14="http://schemas.microsoft.com/office/drawing/2010/main" w="9525">
+                <a:solidFill>
+                  <a:srgbClr val="000000"/>
+                </a:solidFill>
+                <a:miter lim="800000"/>
+                <a:headEnd/>
+                <a:tailEnd/>
+              </a14:hiddenLine>
+            </a:ext>
+          </a:extLst>
+        </p:spPr>
+        <p:txBody>
+          <a:bodyPr anchor="b"/>
+          <a:lstStyle>
+            <a:lvl1pPr>
+              <a:defRPr>
+                <a:solidFill>
+                  <a:schemeClr val="tx1"/>
+                </a:solidFill>
+                <a:latin typeface="Calibri" panose="020F0502020204030204" charset="0"/>
+                <a:ea typeface="宋体" panose="02010600030101010101" pitchFamily="2" charset="-122"/>
+              </a:defRPr>
+            </a:lvl1pPr>
+            <a:lvl2pPr marL="742950" indent="-285750">
+              <a:defRPr>
+                <a:solidFill>
+                  <a:schemeClr val="tx1"/>
+                </a:solidFill>
+                <a:latin typeface="Calibri" panose="020F0502020204030204" charset="0"/>
+                <a:ea typeface="宋体" panose="02010600030101010101" pitchFamily="2" charset="-122"/>
+              </a:defRPr>
+            </a:lvl2pPr>
+            <a:lvl3pPr marL="1143000" indent="-228600">
+              <a:defRPr>
+                <a:solidFill>
+                  <a:schemeClr val="tx1"/>
+                </a:solidFill>
+                <a:latin typeface="Calibri" panose="020F0502020204030204" charset="0"/>
+                <a:ea typeface="宋体" panose="02010600030101010101" pitchFamily="2" charset="-122"/>
+              </a:defRPr>
+            </a:lvl3pPr>
+            <a:lvl4pPr marL="1600200" indent="-228600">
+              <a:defRPr>
+                <a:solidFill>
+                  <a:schemeClr val="tx1"/>
+                </a:solidFill>
+                <a:latin typeface="Calibri" panose="020F0502020204030204" charset="0"/>
+                <a:ea typeface="宋体" panose="02010600030101010101" pitchFamily="2" charset="-122"/>
+              </a:defRPr>
+            </a:lvl4pPr>
+            <a:lvl5pPr marL="2057400" indent="-228600">
+              <a:defRPr>
+                <a:solidFill>
+                  <a:schemeClr val="tx1"/>
+                </a:solidFill>
+                <a:latin typeface="Calibri" panose="020F0502020204030204" charset="0"/>
+                <a:ea typeface="宋体" panose="02010600030101010101" pitchFamily="2" charset="-122"/>
+              </a:defRPr>
+            </a:lvl5pPr>
+            <a:lvl6pPr marL="2514600" indent="-228600" eaLnBrk="0" fontAlgn="base" hangingPunct="0">
+              <a:spcBef>
+                <a:spcPct val="0"/>
+              </a:spcBef>
+              <a:spcAft>
+                <a:spcPct val="0"/>
+              </a:spcAft>
+              <a:buFont typeface="Arial" panose="020B0604020202020204" pitchFamily="34" charset="0"/>
+              <a:defRPr>
+                <a:solidFill>
+                  <a:schemeClr val="tx1"/>
+                </a:solidFill>
+                <a:latin typeface="Calibri" panose="020F0502020204030204" charset="0"/>
+                <a:ea typeface="宋体" panose="02010600030101010101" pitchFamily="2" charset="-122"/>
+              </a:defRPr>
+            </a:lvl6pPr>
+            <a:lvl7pPr marL="2971800" indent="-228600" eaLnBrk="0" fontAlgn="base" hangingPunct="0">
+              <a:spcBef>
+                <a:spcPct val="0"/>
+              </a:spcBef>
+              <a:spcAft>
+                <a:spcPct val="0"/>
+              </a:spcAft>
+              <a:buFont typeface="Arial" panose="020B0604020202020204" pitchFamily="34" charset="0"/>
+              <a:defRPr>
+                <a:solidFill>
+                  <a:schemeClr val="tx1"/>
+                </a:solidFill>
+                <a:latin typeface="Calibri" panose="020F0502020204030204" charset="0"/>
+                <a:ea typeface="宋体" panose="02010600030101010101" pitchFamily="2" charset="-122"/>
+              </a:defRPr>
+            </a:lvl7pPr>
+            <a:lvl8pPr marL="3429000" indent="-228600" eaLnBrk="0" fontAlgn="base" hangingPunct="0">
+              <a:spcBef>
+                <a:spcPct val="0"/>
+              </a:spcBef>
+              <a:spcAft>
+                <a:spcPct val="0"/>
+              </a:spcAft>
+              <a:buFont typeface="Arial" panose="020B0604020202020204" pitchFamily="34" charset="0"/>
+              <a:defRPr>
+                <a:solidFill>
+                  <a:schemeClr val="tx1"/>
+                </a:solidFill>
+                <a:latin typeface="Calibri" panose="020F0502020204030204" charset="0"/>
+                <a:ea typeface="宋体" panose="02010600030101010101" pitchFamily="2" charset="-122"/>
+              </a:defRPr>
+            </a:lvl8pPr>
+            <a:lvl9pPr marL="3886200" indent="-228600" eaLnBrk="0" fontAlgn="base" hangingPunct="0">
+              <a:spcBef>
+                <a:spcPct val="0"/>
+              </a:spcBef>
+              <a:spcAft>
+                <a:spcPct val="0"/>
+              </a:spcAft>
+              <a:buFont typeface="Arial" panose="020B0604020202020204" pitchFamily="34" charset="0"/>
+              <a:defRPr>
+                <a:solidFill>
+                  <a:schemeClr val="tx1"/>
+                </a:solidFill>
+                <a:latin typeface="Calibri" panose="020F0502020204030204" charset="0"/>
+                <a:ea typeface="宋体" panose="02010600030101010101" pitchFamily="2" charset="-122"/>
+              </a:defRPr>
+            </a:lvl9pPr>
+          </a:lstStyle>
+          <a:p>
+            <a:pPr algn="r" eaLnBrk="1" hangingPunct="1"/>
+            <a:fld id="{06BBFAF3-E2D1-461D-829B-B073BB016A6C}" type="slidenum">
+              <a:rPr lang="zh-CN" altLang="en-US" sz="1200"/>
               <a:t>12</a:t>
             </a:fld>
-            <a:endParaRPr lang="zh-CN" altLang="en-US"/>
+            <a:endParaRPr lang="en-US" sz="1200"/>
           </a:p>
         </p:txBody>
       </p:sp>
     </p:spTree>
   </p:cSld>
   <p:clrMapOvr>
-    <a:masterClrMapping/>
+    <a:overrideClrMapping bg1="lt1" tx1="dk1" bg2="lt2" tx2="dk2" accent1="accent1" accent2="accent2" accent3="accent3" accent4="accent4" accent5="accent5" accent6="accent6" hlink="hlink" folHlink="folHlink"/>
   </p:clrMapOvr>
 </p:notes>
 </file>
@@ -1979,16 +2140,8 @@
 </file>
 
 <file path=ppt/notesSlides/notesSlide17.xml><?xml version="1.0" encoding="utf-8"?>
-<p:notes xmlns:a="http://schemas.openxmlformats.org/drawingml/2006/main" xmlns:r="http://schemas.openxmlformats.org/officeDocument/2006/relationships" xmlns:p="http://schemas.openxmlformats.org/presentationml/2006/main" showMasterSp="0">
+<p:notes xmlns:a="http://schemas.openxmlformats.org/drawingml/2006/main" xmlns:r="http://schemas.openxmlformats.org/officeDocument/2006/relationships" xmlns:p="http://schemas.openxmlformats.org/presentationml/2006/main">
   <p:cSld>
-    <p:bg bwMode="auto">
-      <p:bgPr>
-        <a:solidFill>
-          <a:schemeClr val="bg1"/>
-        </a:solidFill>
-        <a:effectLst/>
-      </p:bgPr>
-    </p:bg>
     <p:spTree>
       <p:nvGrpSpPr>
         <p:cNvPr id="1" name=""/>
@@ -2005,9 +2158,9 @@
       </p:grpSpPr>
       <p:sp>
         <p:nvSpPr>
-          <p:cNvPr id="13314" name="幻灯片图像占位符 1"/>
-          <p:cNvSpPr>
-            <a:spLocks noGrp="1" noRot="1" noChangeAspect="1" noTextEdit="1"/>
+          <p:cNvPr id="2" name="幻灯片图像占位符 1"/>
+          <p:cNvSpPr>
+            <a:spLocks noGrp="1" noRot="1" noChangeAspect="1"/>
           </p:cNvSpPr>
           <p:nvPr>
             <p:ph type="sldImg"/>
@@ -2018,208 +2171,54 @@
             <a:off x="481013" y="1279525"/>
             <a:ext cx="6140450" cy="3454400"/>
           </a:xfrm>
-          <a:noFill/>
-          <a:ln>
-            <a:solidFill>
-              <a:srgbClr val="000000"/>
-            </a:solidFill>
-            <a:miter lim="800000"/>
-          </a:ln>
         </p:spPr>
       </p:sp>
       <p:sp>
         <p:nvSpPr>
-          <p:cNvPr id="13315" name="备注占位符 2"/>
-          <p:cNvSpPr>
-            <a:spLocks noGrp="1" noChangeArrowheads="1"/>
+          <p:cNvPr id="3" name="备注占位符 2"/>
+          <p:cNvSpPr>
+            <a:spLocks noGrp="1"/>
           </p:cNvSpPr>
           <p:nvPr>
             <p:ph type="body" idx="1"/>
           </p:nvPr>
         </p:nvSpPr>
-        <p:spPr>
-          <a:noFill/>
-        </p:spPr>
-        <p:txBody>
-          <a:bodyPr anchor="t"/>
+        <p:spPr/>
+        <p:txBody>
+          <a:bodyPr/>
           <a:lstStyle/>
           <a:p>
-            <a:pPr eaLnBrk="1" hangingPunct="1">
-              <a:spcBef>
-                <a:spcPct val="0"/>
-              </a:spcBef>
-            </a:pPr>
             <a:endParaRPr lang="zh-CN" altLang="en-US"/>
           </a:p>
         </p:txBody>
       </p:sp>
       <p:sp>
         <p:nvSpPr>
-          <p:cNvPr id="13316" name="灯片编号占位符 3"/>
-          <p:cNvSpPr txBox="1">
-            <a:spLocks noGrp="1" noChangeArrowheads="1"/>
-          </p:cNvSpPr>
-          <p:nvPr/>
-        </p:nvSpPr>
-        <p:spPr bwMode="auto">
-          <a:xfrm>
-            <a:off x="3883025" y="8685213"/>
-            <a:ext cx="2973388" cy="458787"/>
-          </a:xfrm>
-          <a:prstGeom prst="rect">
-            <a:avLst/>
-          </a:prstGeom>
-          <a:noFill/>
-          <a:ln>
-            <a:noFill/>
-          </a:ln>
-          <a:extLst>
-            <a:ext uri="{909E8E84-426E-40DD-AFC4-6F175D3DCCD1}">
-              <a14:hiddenFill xmlns:a14="http://schemas.microsoft.com/office/drawing/2010/main">
-                <a:solidFill>
-                  <a:srgbClr val="FFFFFF"/>
-                </a:solidFill>
-              </a14:hiddenFill>
-            </a:ext>
-            <a:ext uri="{91240B29-F687-4F45-9708-019B960494DF}">
-              <a14:hiddenLine xmlns:a14="http://schemas.microsoft.com/office/drawing/2010/main" w="9525">
-                <a:solidFill>
-                  <a:srgbClr val="000000"/>
-                </a:solidFill>
-                <a:miter lim="800000"/>
-                <a:headEnd/>
-                <a:tailEnd/>
-              </a14:hiddenLine>
-            </a:ext>
-          </a:extLst>
-        </p:spPr>
-        <p:txBody>
-          <a:bodyPr anchor="b"/>
-          <a:lstStyle>
-            <a:lvl1pPr>
-              <a:defRPr>
-                <a:solidFill>
-                  <a:schemeClr val="tx1"/>
-                </a:solidFill>
-                <a:latin typeface="Calibri" panose="020F0502020204030204" charset="0"/>
-                <a:ea typeface="宋体" panose="02010600030101010101" pitchFamily="2" charset="-122"/>
-              </a:defRPr>
-            </a:lvl1pPr>
-            <a:lvl2pPr marL="742950" indent="-285750">
-              <a:defRPr>
-                <a:solidFill>
-                  <a:schemeClr val="tx1"/>
-                </a:solidFill>
-                <a:latin typeface="Calibri" panose="020F0502020204030204" charset="0"/>
-                <a:ea typeface="宋体" panose="02010600030101010101" pitchFamily="2" charset="-122"/>
-              </a:defRPr>
-            </a:lvl2pPr>
-            <a:lvl3pPr marL="1143000" indent="-228600">
-              <a:defRPr>
-                <a:solidFill>
-                  <a:schemeClr val="tx1"/>
-                </a:solidFill>
-                <a:latin typeface="Calibri" panose="020F0502020204030204" charset="0"/>
-                <a:ea typeface="宋体" panose="02010600030101010101" pitchFamily="2" charset="-122"/>
-              </a:defRPr>
-            </a:lvl3pPr>
-            <a:lvl4pPr marL="1600200" indent="-228600">
-              <a:defRPr>
-                <a:solidFill>
-                  <a:schemeClr val="tx1"/>
-                </a:solidFill>
-                <a:latin typeface="Calibri" panose="020F0502020204030204" charset="0"/>
-                <a:ea typeface="宋体" panose="02010600030101010101" pitchFamily="2" charset="-122"/>
-              </a:defRPr>
-            </a:lvl4pPr>
-            <a:lvl5pPr marL="2057400" indent="-228600">
-              <a:defRPr>
-                <a:solidFill>
-                  <a:schemeClr val="tx1"/>
-                </a:solidFill>
-                <a:latin typeface="Calibri" panose="020F0502020204030204" charset="0"/>
-                <a:ea typeface="宋体" panose="02010600030101010101" pitchFamily="2" charset="-122"/>
-              </a:defRPr>
-            </a:lvl5pPr>
-            <a:lvl6pPr marL="2514600" indent="-228600" eaLnBrk="0" fontAlgn="base" hangingPunct="0">
-              <a:spcBef>
-                <a:spcPct val="0"/>
-              </a:spcBef>
-              <a:spcAft>
-                <a:spcPct val="0"/>
-              </a:spcAft>
-              <a:buFont typeface="Arial" panose="020B0604020202020204" pitchFamily="34" charset="0"/>
-              <a:defRPr>
-                <a:solidFill>
-                  <a:schemeClr val="tx1"/>
-                </a:solidFill>
-                <a:latin typeface="Calibri" panose="020F0502020204030204" charset="0"/>
-                <a:ea typeface="宋体" panose="02010600030101010101" pitchFamily="2" charset="-122"/>
-              </a:defRPr>
-            </a:lvl6pPr>
-            <a:lvl7pPr marL="2971800" indent="-228600" eaLnBrk="0" fontAlgn="base" hangingPunct="0">
-              <a:spcBef>
-                <a:spcPct val="0"/>
-              </a:spcBef>
-              <a:spcAft>
-                <a:spcPct val="0"/>
-              </a:spcAft>
-              <a:buFont typeface="Arial" panose="020B0604020202020204" pitchFamily="34" charset="0"/>
-              <a:defRPr>
-                <a:solidFill>
-                  <a:schemeClr val="tx1"/>
-                </a:solidFill>
-                <a:latin typeface="Calibri" panose="020F0502020204030204" charset="0"/>
-                <a:ea typeface="宋体" panose="02010600030101010101" pitchFamily="2" charset="-122"/>
-              </a:defRPr>
-            </a:lvl7pPr>
-            <a:lvl8pPr marL="3429000" indent="-228600" eaLnBrk="0" fontAlgn="base" hangingPunct="0">
-              <a:spcBef>
-                <a:spcPct val="0"/>
-              </a:spcBef>
-              <a:spcAft>
-                <a:spcPct val="0"/>
-              </a:spcAft>
-              <a:buFont typeface="Arial" panose="020B0604020202020204" pitchFamily="34" charset="0"/>
-              <a:defRPr>
-                <a:solidFill>
-                  <a:schemeClr val="tx1"/>
-                </a:solidFill>
-                <a:latin typeface="Calibri" panose="020F0502020204030204" charset="0"/>
-                <a:ea typeface="宋体" panose="02010600030101010101" pitchFamily="2" charset="-122"/>
-              </a:defRPr>
-            </a:lvl8pPr>
-            <a:lvl9pPr marL="3886200" indent="-228600" eaLnBrk="0" fontAlgn="base" hangingPunct="0">
-              <a:spcBef>
-                <a:spcPct val="0"/>
-              </a:spcBef>
-              <a:spcAft>
-                <a:spcPct val="0"/>
-              </a:spcAft>
-              <a:buFont typeface="Arial" panose="020B0604020202020204" pitchFamily="34" charset="0"/>
-              <a:defRPr>
-                <a:solidFill>
-                  <a:schemeClr val="tx1"/>
-                </a:solidFill>
-                <a:latin typeface="Calibri" panose="020F0502020204030204" charset="0"/>
-                <a:ea typeface="宋体" panose="02010600030101010101" pitchFamily="2" charset="-122"/>
-              </a:defRPr>
-            </a:lvl9pPr>
-          </a:lstStyle>
-          <a:p>
-            <a:pPr algn="r" eaLnBrk="1" hangingPunct="1"/>
-            <a:fld id="{06BBFAF3-E2D1-461D-829B-B073BB016A6C}" type="slidenum">
-              <a:rPr lang="zh-CN" altLang="en-US" sz="1200"/>
+          <p:cNvPr id="4" name="灯片编号占位符 3"/>
+          <p:cNvSpPr>
+            <a:spLocks noGrp="1"/>
+          </p:cNvSpPr>
+          <p:nvPr>
+            <p:ph type="sldNum" sz="quarter" idx="10"/>
+          </p:nvPr>
+        </p:nvSpPr>
+        <p:spPr/>
+        <p:txBody>
+          <a:bodyPr/>
+          <a:lstStyle/>
+          <a:p>
+            <a:fld id="{4E38F04A-84B0-4E5D-A1A7-EE43D6EF2A66}" type="slidenum">
+              <a:rPr lang="zh-CN" altLang="en-US" smtClean="0"/>
               <a:t>18</a:t>
             </a:fld>
-            <a:endParaRPr lang="en-US" sz="1200"/>
+            <a:endParaRPr lang="zh-CN" altLang="en-US"/>
           </a:p>
         </p:txBody>
       </p:sp>
     </p:spTree>
   </p:cSld>
   <p:clrMapOvr>
-    <a:overrideClrMapping bg1="lt1" tx1="dk1" bg2="lt2" tx2="dk2" accent1="accent1" accent2="accent2" accent3="accent3" accent4="accent4" accent5="accent5" accent6="accent6" hlink="hlink" folHlink="folHlink"/>
+    <a:masterClrMapping/>
   </p:clrMapOvr>
 </p:notes>
 </file>
@@ -2295,90 +2294,6 @@
             <a:fld id="{4E38F04A-84B0-4E5D-A1A7-EE43D6EF2A66}" type="slidenum">
               <a:rPr lang="zh-CN" altLang="en-US" smtClean="0"/>
               <a:t>19</a:t>
-            </a:fld>
-            <a:endParaRPr lang="zh-CN" altLang="en-US"/>
-          </a:p>
-        </p:txBody>
-      </p:sp>
-    </p:spTree>
-  </p:cSld>
-  <p:clrMapOvr>
-    <a:masterClrMapping/>
-  </p:clrMapOvr>
-</p:notes>
-</file>
-
-<file path=ppt/notesSlides/notesSlide19.xml><?xml version="1.0" encoding="utf-8"?>
-<p:notes xmlns:a="http://schemas.openxmlformats.org/drawingml/2006/main" xmlns:r="http://schemas.openxmlformats.org/officeDocument/2006/relationships" xmlns:p="http://schemas.openxmlformats.org/presentationml/2006/main">
-  <p:cSld>
-    <p:spTree>
-      <p:nvGrpSpPr>
-        <p:cNvPr id="1" name=""/>
-        <p:cNvGrpSpPr/>
-        <p:nvPr/>
-      </p:nvGrpSpPr>
-      <p:grpSpPr>
-        <a:xfrm>
-          <a:off x="0" y="0"/>
-          <a:ext cx="0" cy="0"/>
-          <a:chOff x="0" y="0"/>
-          <a:chExt cx="0" cy="0"/>
-        </a:xfrm>
-      </p:grpSpPr>
-      <p:sp>
-        <p:nvSpPr>
-          <p:cNvPr id="2" name="幻灯片图像占位符 1"/>
-          <p:cNvSpPr>
-            <a:spLocks noGrp="1" noRot="1" noChangeAspect="1"/>
-          </p:cNvSpPr>
-          <p:nvPr>
-            <p:ph type="sldImg"/>
-          </p:nvPr>
-        </p:nvSpPr>
-        <p:spPr>
-          <a:xfrm>
-            <a:off x="481013" y="1279525"/>
-            <a:ext cx="6140450" cy="3454400"/>
-          </a:xfrm>
-        </p:spPr>
-      </p:sp>
-      <p:sp>
-        <p:nvSpPr>
-          <p:cNvPr id="3" name="备注占位符 2"/>
-          <p:cNvSpPr>
-            <a:spLocks noGrp="1"/>
-          </p:cNvSpPr>
-          <p:nvPr>
-            <p:ph type="body" idx="1"/>
-          </p:nvPr>
-        </p:nvSpPr>
-        <p:spPr/>
-        <p:txBody>
-          <a:bodyPr/>
-          <a:lstStyle/>
-          <a:p>
-            <a:endParaRPr lang="zh-CN" altLang="en-US"/>
-          </a:p>
-        </p:txBody>
-      </p:sp>
-      <p:sp>
-        <p:nvSpPr>
-          <p:cNvPr id="4" name="灯片编号占位符 3"/>
-          <p:cNvSpPr>
-            <a:spLocks noGrp="1"/>
-          </p:cNvSpPr>
-          <p:nvPr>
-            <p:ph type="sldNum" sz="quarter" idx="10"/>
-          </p:nvPr>
-        </p:nvSpPr>
-        <p:spPr/>
-        <p:txBody>
-          <a:bodyPr/>
-          <a:lstStyle/>
-          <a:p>
-            <a:fld id="{4E38F04A-84B0-4E5D-A1A7-EE43D6EF2A66}" type="slidenum">
-              <a:rPr lang="zh-CN" altLang="en-US" smtClean="0"/>
-              <a:t>20</a:t>
             </a:fld>
             <a:endParaRPr lang="zh-CN" altLang="en-US"/>
           </a:p>
@@ -2462,7 +2377,7 @@
           <a:p>
             <a:fld id="{4E38F04A-84B0-4E5D-A1A7-EE43D6EF2A66}" type="slidenum">
               <a:rPr lang="zh-CN" altLang="en-US" smtClean="0"/>
-              <a:t>2</a:t>
+              <a:t>3</a:t>
             </a:fld>
             <a:endParaRPr lang="zh-CN" altLang="en-US"/>
           </a:p>
@@ -2796,7 +2711,7 @@
           <a:bodyPr/>
           <a:lstStyle/>
           <a:p>
-            <a:fld id="{4E38F04A-84B0-4E5D-A1A7-EE43D6EF2A66}" type="slidenum">
+            <a:fld id="{575769E8-19F7-47D4-AFC6-D17EEAD4A98C}" type="slidenum">
               <a:rPr lang="zh-CN" altLang="en-US" smtClean="0"/>
               <a:t>7</a:t>
             </a:fld>
@@ -2880,7 +2795,7 @@
           <a:bodyPr/>
           <a:lstStyle/>
           <a:p>
-            <a:fld id="{575769E8-19F7-47D4-AFC6-D17EEAD4A98C}" type="slidenum">
+            <a:fld id="{4E38F04A-84B0-4E5D-A1A7-EE43D6EF2A66}" type="slidenum">
               <a:rPr lang="zh-CN" altLang="en-US" smtClean="0"/>
               <a:t>8</a:t>
             </a:fld>
@@ -3212,7 +3127,7 @@
           <a:p>
             <a:fld id="{1ABFA14F-DE9C-4D83-8C58-D4C03BB9FF78}" type="datetimeFigureOut">
               <a:rPr lang="zh-CN" altLang="en-US" smtClean="0"/>
-              <a:t>2017/5/19</a:t>
+              <a:t>2017/8/16</a:t>
             </a:fld>
             <a:endParaRPr lang="zh-CN" altLang="en-US"/>
           </a:p>
@@ -3337,7 +3252,7 @@
           <a:p>
             <a:fld id="{1ABFA14F-DE9C-4D83-8C58-D4C03BB9FF78}" type="datetimeFigureOut">
               <a:rPr lang="zh-CN" altLang="en-US" smtClean="0"/>
-              <a:t>2017/5/19</a:t>
+              <a:t>2017/8/16</a:t>
             </a:fld>
             <a:endParaRPr lang="zh-CN" altLang="en-US"/>
           </a:p>
@@ -3562,7 +3477,7 @@
           <a:p>
             <a:fld id="{1ABFA14F-DE9C-4D83-8C58-D4C03BB9FF78}" type="datetimeFigureOut">
               <a:rPr lang="zh-CN" altLang="en-US" smtClean="0"/>
-              <a:t>2017/5/19</a:t>
+              <a:t>2017/8/16</a:t>
             </a:fld>
             <a:endParaRPr lang="zh-CN" altLang="en-US"/>
           </a:p>
@@ -3787,7 +3702,7 @@
           <a:p>
             <a:fld id="{1ABFA14F-DE9C-4D83-8C58-D4C03BB9FF78}" type="datetimeFigureOut">
               <a:rPr lang="zh-CN" altLang="en-US" smtClean="0"/>
-              <a:t>2017/5/19</a:t>
+              <a:t>2017/8/16</a:t>
             </a:fld>
             <a:endParaRPr lang="zh-CN" altLang="en-US"/>
           </a:p>
@@ -4012,7 +3927,7 @@
           <a:p>
             <a:fld id="{1ABFA14F-DE9C-4D83-8C58-D4C03BB9FF78}" type="datetimeFigureOut">
               <a:rPr lang="zh-CN" altLang="en-US" smtClean="0"/>
-              <a:t>2017/5/19</a:t>
+              <a:t>2017/8/16</a:t>
             </a:fld>
             <a:endParaRPr lang="zh-CN" altLang="en-US"/>
           </a:p>
@@ -4237,7 +4152,7 @@
           <a:p>
             <a:fld id="{1ABFA14F-DE9C-4D83-8C58-D4C03BB9FF78}" type="datetimeFigureOut">
               <a:rPr lang="zh-CN" altLang="en-US" smtClean="0"/>
-              <a:t>2017/5/19</a:t>
+              <a:t>2017/8/16</a:t>
             </a:fld>
             <a:endParaRPr lang="zh-CN" altLang="en-US"/>
           </a:p>
@@ -4462,7 +4377,7 @@
           <a:p>
             <a:fld id="{1ABFA14F-DE9C-4D83-8C58-D4C03BB9FF78}" type="datetimeFigureOut">
               <a:rPr lang="zh-CN" altLang="en-US" smtClean="0"/>
-              <a:t>2017/5/19</a:t>
+              <a:t>2017/8/16</a:t>
             </a:fld>
             <a:endParaRPr lang="zh-CN" altLang="en-US"/>
           </a:p>
@@ -4687,7 +4602,7 @@
           <a:p>
             <a:fld id="{1ABFA14F-DE9C-4D83-8C58-D4C03BB9FF78}" type="datetimeFigureOut">
               <a:rPr lang="zh-CN" altLang="en-US" smtClean="0"/>
-              <a:t>2017/5/19</a:t>
+              <a:t>2017/8/16</a:t>
             </a:fld>
             <a:endParaRPr lang="zh-CN" altLang="en-US"/>
           </a:p>
@@ -4912,7 +4827,7 @@
           <a:p>
             <a:fld id="{1ABFA14F-DE9C-4D83-8C58-D4C03BB9FF78}" type="datetimeFigureOut">
               <a:rPr lang="zh-CN" altLang="en-US" smtClean="0"/>
-              <a:t>2017/5/19</a:t>
+              <a:t>2017/8/16</a:t>
             </a:fld>
             <a:endParaRPr lang="zh-CN" altLang="en-US"/>
           </a:p>
@@ -5137,7 +5052,7 @@
           <a:p>
             <a:fld id="{1ABFA14F-DE9C-4D83-8C58-D4C03BB9FF78}" type="datetimeFigureOut">
               <a:rPr lang="zh-CN" altLang="en-US" smtClean="0"/>
-              <a:t>2017/5/19</a:t>
+              <a:t>2017/8/16</a:t>
             </a:fld>
             <a:endParaRPr lang="zh-CN" altLang="en-US"/>
           </a:p>
@@ -5362,7 +5277,7 @@
           <a:p>
             <a:fld id="{1ABFA14F-DE9C-4D83-8C58-D4C03BB9FF78}" type="datetimeFigureOut">
               <a:rPr lang="zh-CN" altLang="en-US" smtClean="0"/>
-              <a:t>2017/5/19</a:t>
+              <a:t>2017/8/16</a:t>
             </a:fld>
             <a:endParaRPr lang="zh-CN" altLang="en-US"/>
           </a:p>
@@ -5696,7 +5611,7 @@
           <a:p>
             <a:fld id="{1ABFA14F-DE9C-4D83-8C58-D4C03BB9FF78}" type="datetimeFigureOut">
               <a:rPr lang="zh-CN" altLang="en-US" smtClean="0"/>
-              <a:t>2017/5/19</a:t>
+              <a:t>2017/8/16</a:t>
             </a:fld>
             <a:endParaRPr lang="zh-CN" altLang="en-US"/>
           </a:p>
@@ -5847,7 +5762,7 @@
           <a:p>
             <a:fld id="{1ABFA14F-DE9C-4D83-8C58-D4C03BB9FF78}" type="datetimeFigureOut">
               <a:rPr lang="zh-CN" altLang="en-US" smtClean="0"/>
-              <a:t>2017/5/19</a:t>
+              <a:t>2017/8/16</a:t>
             </a:fld>
             <a:endParaRPr lang="zh-CN" altLang="en-US"/>
           </a:p>
@@ -6072,7 +5987,7 @@
           <a:p>
             <a:fld id="{1ABFA14F-DE9C-4D83-8C58-D4C03BB9FF78}" type="datetimeFigureOut">
               <a:rPr lang="zh-CN" altLang="en-US" smtClean="0"/>
-              <a:t>2017/5/19</a:t>
+              <a:t>2017/8/16</a:t>
             </a:fld>
             <a:endParaRPr lang="zh-CN" altLang="en-US"/>
           </a:p>
@@ -6297,7 +6212,7 @@
           <a:p>
             <a:fld id="{1ABFA14F-DE9C-4D83-8C58-D4C03BB9FF78}" type="datetimeFigureOut">
               <a:rPr lang="zh-CN" altLang="en-US" smtClean="0"/>
-              <a:t>2017/5/19</a:t>
+              <a:t>2017/8/16</a:t>
             </a:fld>
             <a:endParaRPr lang="zh-CN" altLang="en-US"/>
           </a:p>
@@ -6522,7 +6437,7 @@
           <a:p>
             <a:fld id="{1ABFA14F-DE9C-4D83-8C58-D4C03BB9FF78}" type="datetimeFigureOut">
               <a:rPr lang="zh-CN" altLang="en-US" smtClean="0"/>
-              <a:t>2017/5/19</a:t>
+              <a:t>2017/8/16</a:t>
             </a:fld>
             <a:endParaRPr lang="zh-CN" altLang="en-US"/>
           </a:p>
@@ -6747,7 +6662,7 @@
           <a:p>
             <a:fld id="{1ABFA14F-DE9C-4D83-8C58-D4C03BB9FF78}" type="datetimeFigureOut">
               <a:rPr lang="zh-CN" altLang="en-US" smtClean="0"/>
-              <a:t>2017/5/19</a:t>
+              <a:t>2017/8/16</a:t>
             </a:fld>
             <a:endParaRPr lang="zh-CN" altLang="en-US"/>
           </a:p>
@@ -6972,7 +6887,7 @@
           <a:p>
             <a:fld id="{1ABFA14F-DE9C-4D83-8C58-D4C03BB9FF78}" type="datetimeFigureOut">
               <a:rPr lang="zh-CN" altLang="en-US" smtClean="0"/>
-              <a:t>2017/5/19</a:t>
+              <a:t>2017/8/16</a:t>
             </a:fld>
             <a:endParaRPr lang="zh-CN" altLang="en-US"/>
           </a:p>
@@ -7197,7 +7112,7 @@
           <a:p>
             <a:fld id="{1ABFA14F-DE9C-4D83-8C58-D4C03BB9FF78}" type="datetimeFigureOut">
               <a:rPr lang="zh-CN" altLang="en-US" smtClean="0"/>
-              <a:t>2017/5/19</a:t>
+              <a:t>2017/8/16</a:t>
             </a:fld>
             <a:endParaRPr lang="zh-CN" altLang="en-US"/>
           </a:p>
@@ -7422,7 +7337,7 @@
           <a:p>
             <a:fld id="{1ABFA14F-DE9C-4D83-8C58-D4C03BB9FF78}" type="datetimeFigureOut">
               <a:rPr lang="zh-CN" altLang="en-US" smtClean="0"/>
-              <a:t>2017/5/19</a:t>
+              <a:t>2017/8/16</a:t>
             </a:fld>
             <a:endParaRPr lang="zh-CN" altLang="en-US"/>
           </a:p>
@@ -7647,7 +7562,7 @@
           <a:p>
             <a:fld id="{1ABFA14F-DE9C-4D83-8C58-D4C03BB9FF78}" type="datetimeFigureOut">
               <a:rPr lang="zh-CN" altLang="en-US" smtClean="0"/>
-              <a:t>2017/5/19</a:t>
+              <a:t>2017/8/16</a:t>
             </a:fld>
             <a:endParaRPr lang="zh-CN" altLang="en-US"/>
           </a:p>
@@ -7872,7 +7787,7 @@
           <a:p>
             <a:fld id="{1ABFA14F-DE9C-4D83-8C58-D4C03BB9FF78}" type="datetimeFigureOut">
               <a:rPr lang="zh-CN" altLang="en-US" smtClean="0"/>
-              <a:t>2017/5/19</a:t>
+              <a:t>2017/8/16</a:t>
             </a:fld>
             <a:endParaRPr lang="zh-CN" altLang="en-US"/>
           </a:p>
@@ -8200,7 +8115,7 @@
           <a:p>
             <a:fld id="{1ABFA14F-DE9C-4D83-8C58-D4C03BB9FF78}" type="datetimeFigureOut">
               <a:rPr lang="zh-CN" altLang="en-US" smtClean="0"/>
-              <a:t>2017/5/19</a:t>
+              <a:t>2017/8/16</a:t>
             </a:fld>
             <a:endParaRPr lang="zh-CN" altLang="en-US"/>
           </a:p>
@@ -8297,7 +8212,7 @@
           <a:p>
             <a:fld id="{1ABFA14F-DE9C-4D83-8C58-D4C03BB9FF78}" type="datetimeFigureOut">
               <a:rPr lang="zh-CN" altLang="en-US" smtClean="0"/>
-              <a:t>2017/5/19</a:t>
+              <a:t>2017/8/16</a:t>
             </a:fld>
             <a:endParaRPr lang="zh-CN" altLang="en-US"/>
           </a:p>
@@ -8522,7 +8437,7 @@
           <a:p>
             <a:fld id="{1ABFA14F-DE9C-4D83-8C58-D4C03BB9FF78}" type="datetimeFigureOut">
               <a:rPr lang="zh-CN" altLang="en-US" smtClean="0"/>
-              <a:t>2017/5/19</a:t>
+              <a:t>2017/8/16</a:t>
             </a:fld>
             <a:endParaRPr lang="zh-CN" altLang="en-US"/>
           </a:p>
@@ -8747,7 +8662,7 @@
           <a:p>
             <a:fld id="{1ABFA14F-DE9C-4D83-8C58-D4C03BB9FF78}" type="datetimeFigureOut">
               <a:rPr lang="zh-CN" altLang="en-US" smtClean="0"/>
-              <a:t>2017/5/19</a:t>
+              <a:t>2017/8/16</a:t>
             </a:fld>
             <a:endParaRPr lang="zh-CN" altLang="en-US"/>
           </a:p>
@@ -8972,7 +8887,7 @@
           <a:p>
             <a:fld id="{1ABFA14F-DE9C-4D83-8C58-D4C03BB9FF78}" type="datetimeFigureOut">
               <a:rPr lang="zh-CN" altLang="en-US" smtClean="0"/>
-              <a:t>2017/5/19</a:t>
+              <a:t>2017/8/16</a:t>
             </a:fld>
             <a:endParaRPr lang="zh-CN" altLang="en-US"/>
           </a:p>
@@ -9197,7 +9112,7 @@
           <a:p>
             <a:fld id="{1ABFA14F-DE9C-4D83-8C58-D4C03BB9FF78}" type="datetimeFigureOut">
               <a:rPr lang="zh-CN" altLang="en-US" smtClean="0"/>
-              <a:t>2017/5/19</a:t>
+              <a:t>2017/8/16</a:t>
             </a:fld>
             <a:endParaRPr lang="zh-CN" altLang="en-US"/>
           </a:p>
@@ -9422,7 +9337,7 @@
           <a:p>
             <a:fld id="{1ABFA14F-DE9C-4D83-8C58-D4C03BB9FF78}" type="datetimeFigureOut">
               <a:rPr lang="zh-CN" altLang="en-US" smtClean="0"/>
-              <a:t>2017/5/19</a:t>
+              <a:t>2017/8/16</a:t>
             </a:fld>
             <a:endParaRPr lang="zh-CN" altLang="en-US"/>
           </a:p>
@@ -9647,7 +9562,7 @@
           <a:p>
             <a:fld id="{1ABFA14F-DE9C-4D83-8C58-D4C03BB9FF78}" type="datetimeFigureOut">
               <a:rPr lang="zh-CN" altLang="en-US" smtClean="0"/>
-              <a:t>2017/5/19</a:t>
+              <a:t>2017/8/16</a:t>
             </a:fld>
             <a:endParaRPr lang="zh-CN" altLang="en-US"/>
           </a:p>
@@ -9872,7 +9787,7 @@
           <a:p>
             <a:fld id="{1ABFA14F-DE9C-4D83-8C58-D4C03BB9FF78}" type="datetimeFigureOut">
               <a:rPr lang="zh-CN" altLang="en-US" smtClean="0"/>
-              <a:t>2017/5/19</a:t>
+              <a:t>2017/8/16</a:t>
             </a:fld>
             <a:endParaRPr lang="zh-CN" altLang="en-US"/>
           </a:p>
@@ -10211,7 +10126,7 @@
           <a:p>
             <a:fld id="{1ABFA14F-DE9C-4D83-8C58-D4C03BB9FF78}" type="datetimeFigureOut">
               <a:rPr lang="zh-CN" altLang="en-US" smtClean="0"/>
-              <a:t>2017/5/19</a:t>
+              <a:t>2017/8/16</a:t>
             </a:fld>
             <a:endParaRPr lang="zh-CN" altLang="en-US"/>
           </a:p>
@@ -10445,7 +10360,7 @@
           <a:p>
             <a:fld id="{1ABFA14F-DE9C-4D83-8C58-D4C03BB9FF78}" type="datetimeFigureOut">
               <a:rPr lang="zh-CN" altLang="en-US" smtClean="0"/>
-              <a:t>2017/5/19</a:t>
+              <a:t>2017/8/16</a:t>
             </a:fld>
             <a:endParaRPr lang="zh-CN" altLang="en-US"/>
           </a:p>
@@ -10788,7 +10703,7 @@
           <a:p>
             <a:fld id="{1ABFA14F-DE9C-4D83-8C58-D4C03BB9FF78}" type="datetimeFigureOut">
               <a:rPr lang="zh-CN" altLang="en-US" smtClean="0"/>
-              <a:t>2017/5/19</a:t>
+              <a:t>2017/8/16</a:t>
             </a:fld>
             <a:endParaRPr lang="zh-CN" altLang="en-US"/>
           </a:p>
@@ -11042,7 +10957,7 @@
           <a:p>
             <a:fld id="{1ABFA14F-DE9C-4D83-8C58-D4C03BB9FF78}" type="datetimeFigureOut">
               <a:rPr lang="zh-CN" altLang="en-US" smtClean="0"/>
-              <a:t>2017/5/19</a:t>
+              <a:t>2017/8/16</a:t>
             </a:fld>
             <a:endParaRPr lang="zh-CN" altLang="en-US"/>
           </a:p>
@@ -11380,7 +11295,7 @@
           <a:p>
             <a:fld id="{1ABFA14F-DE9C-4D83-8C58-D4C03BB9FF78}" type="datetimeFigureOut">
               <a:rPr lang="zh-CN" altLang="en-US" smtClean="0"/>
-              <a:t>2017/5/19</a:t>
+              <a:t>2017/8/16</a:t>
             </a:fld>
             <a:endParaRPr lang="zh-CN" altLang="en-US"/>
           </a:p>
@@ -11831,7 +11746,7 @@
           <a:p>
             <a:fld id="{1ABFA14F-DE9C-4D83-8C58-D4C03BB9FF78}" type="datetimeFigureOut">
               <a:rPr lang="zh-CN" altLang="en-US" smtClean="0"/>
-              <a:t>2017/5/19</a:t>
+              <a:t>2017/8/16</a:t>
             </a:fld>
             <a:endParaRPr lang="zh-CN" altLang="en-US"/>
           </a:p>
@@ -12131,7 +12046,7 @@
           <a:p>
             <a:fld id="{1ABFA14F-DE9C-4D83-8C58-D4C03BB9FF78}" type="datetimeFigureOut">
               <a:rPr lang="zh-CN" altLang="en-US" smtClean="0"/>
-              <a:t>2017/5/19</a:t>
+              <a:t>2017/8/16</a:t>
             </a:fld>
             <a:endParaRPr lang="zh-CN" altLang="en-US"/>
           </a:p>
@@ -12256,7 +12171,7 @@
           <a:p>
             <a:fld id="{1ABFA14F-DE9C-4D83-8C58-D4C03BB9FF78}" type="datetimeFigureOut">
               <a:rPr lang="zh-CN" altLang="en-US" smtClean="0"/>
-              <a:t>2017/5/19</a:t>
+              <a:t>2017/8/16</a:t>
             </a:fld>
             <a:endParaRPr lang="zh-CN" altLang="en-US"/>
           </a:p>
@@ -12523,7 +12438,7 @@
           <a:p>
             <a:fld id="{1ABFA14F-DE9C-4D83-8C58-D4C03BB9FF78}" type="datetimeFigureOut">
               <a:rPr lang="zh-CN" altLang="en-US" smtClean="0"/>
-              <a:t>2017/5/19</a:t>
+              <a:t>2017/8/16</a:t>
             </a:fld>
             <a:endParaRPr lang="zh-CN" altLang="en-US"/>
           </a:p>
@@ -12728,7 +12643,7 @@
           <a:p>
             <a:fld id="{1ABFA14F-DE9C-4D83-8C58-D4C03BB9FF78}" type="datetimeFigureOut">
               <a:rPr lang="zh-CN" altLang="en-US" smtClean="0"/>
-              <a:t>2017/5/19</a:t>
+              <a:t>2017/8/16</a:t>
             </a:fld>
             <a:endParaRPr lang="zh-CN" altLang="en-US"/>
           </a:p>
@@ -12825,7 +12740,7 @@
           <a:p>
             <a:fld id="{1ABFA14F-DE9C-4D83-8C58-D4C03BB9FF78}" type="datetimeFigureOut">
               <a:rPr lang="zh-CN" altLang="en-US" smtClean="0"/>
-              <a:t>2017/5/19</a:t>
+              <a:t>2017/8/16</a:t>
             </a:fld>
             <a:endParaRPr lang="zh-CN" altLang="en-US"/>
           </a:p>
@@ -13404,7 +13319,7 @@
           <a:p>
             <a:fld id="{1ABFA14F-DE9C-4D83-8C58-D4C03BB9FF78}" type="datetimeFigureOut">
               <a:rPr lang="zh-CN" altLang="en-US" smtClean="0"/>
-              <a:t>2017/5/19</a:t>
+              <a:t>2017/8/16</a:t>
             </a:fld>
             <a:endParaRPr lang="zh-CN" altLang="en-US"/>
           </a:p>
@@ -13704,7 +13619,7 @@
           <a:p>
             <a:fld id="{1ABFA14F-DE9C-4D83-8C58-D4C03BB9FF78}" type="datetimeFigureOut">
               <a:rPr lang="zh-CN" altLang="en-US" smtClean="0"/>
-              <a:t>2017/5/19</a:t>
+              <a:t>2017/8/16</a:t>
             </a:fld>
             <a:endParaRPr lang="zh-CN" altLang="en-US"/>
           </a:p>
@@ -13829,7 +13744,7 @@
           <a:p>
             <a:fld id="{1ABFA14F-DE9C-4D83-8C58-D4C03BB9FF78}" type="datetimeFigureOut">
               <a:rPr lang="zh-CN" altLang="en-US" smtClean="0"/>
-              <a:t>2017/5/19</a:t>
+              <a:t>2017/8/16</a:t>
             </a:fld>
             <a:endParaRPr lang="zh-CN" altLang="en-US"/>
           </a:p>
@@ -14096,7 +14011,7 @@
           <a:p>
             <a:fld id="{1ABFA14F-DE9C-4D83-8C58-D4C03BB9FF78}" type="datetimeFigureOut">
               <a:rPr lang="zh-CN" altLang="en-US" smtClean="0"/>
-              <a:t>2017/5/19</a:t>
+              <a:t>2017/8/16</a:t>
             </a:fld>
             <a:endParaRPr lang="zh-CN" altLang="en-US"/>
           </a:p>
@@ -14301,7 +14216,7 @@
           <a:p>
             <a:fld id="{1ABFA14F-DE9C-4D83-8C58-D4C03BB9FF78}" type="datetimeFigureOut">
               <a:rPr lang="zh-CN" altLang="en-US" smtClean="0"/>
-              <a:t>2017/5/19</a:t>
+              <a:t>2017/8/16</a:t>
             </a:fld>
             <a:endParaRPr lang="zh-CN" altLang="en-US"/>
           </a:p>
@@ -14612,7 +14527,7 @@
           <a:p>
             <a:fld id="{1ABFA14F-DE9C-4D83-8C58-D4C03BB9FF78}" type="datetimeFigureOut">
               <a:rPr lang="zh-CN" altLang="en-US" smtClean="0"/>
-              <a:t>2017/5/19</a:t>
+              <a:t>2017/8/16</a:t>
             </a:fld>
             <a:endParaRPr lang="zh-CN" altLang="en-US"/>
           </a:p>
@@ -15413,7 +15328,7 @@
           <a:p>
             <a:fld id="{1ABFA14F-DE9C-4D83-8C58-D4C03BB9FF78}" type="datetimeFigureOut">
               <a:rPr lang="zh-CN" altLang="en-US" smtClean="0"/>
-              <a:t>2017/5/19</a:t>
+              <a:t>2017/8/16</a:t>
             </a:fld>
             <a:endParaRPr lang="zh-CN" altLang="en-US"/>
           </a:p>
@@ -16139,194 +16054,6 @@
 </file>
 
 <file path=ppt/slides/slide10.xml><?xml version="1.0" encoding="utf-8"?>
-<p:sld xmlns:a="http://schemas.openxmlformats.org/drawingml/2006/main" xmlns:r="http://schemas.openxmlformats.org/officeDocument/2006/relationships" xmlns:p="http://schemas.openxmlformats.org/presentationml/2006/main">
-  <p:cSld>
-    <p:spTree>
-      <p:nvGrpSpPr>
-        <p:cNvPr id="1" name=""/>
-        <p:cNvGrpSpPr/>
-        <p:nvPr/>
-      </p:nvGrpSpPr>
-      <p:grpSpPr>
-        <a:xfrm>
-          <a:off x="0" y="0"/>
-          <a:ext cx="0" cy="0"/>
-          <a:chOff x="0" y="0"/>
-          <a:chExt cx="0" cy="0"/>
-        </a:xfrm>
-      </p:grpSpPr>
-      <p:sp>
-        <p:nvSpPr>
-          <p:cNvPr id="5122" name="Rectangle 2"/>
-          <p:cNvSpPr>
-            <a:spLocks noGrp="1" noChangeArrowheads="1"/>
-          </p:cNvSpPr>
-          <p:nvPr>
-            <p:ph type="title"/>
-            <p:custDataLst>
-              <p:tags r:id="rId2"/>
-            </p:custDataLst>
-          </p:nvPr>
-        </p:nvSpPr>
-        <p:spPr/>
-        <p:txBody>
-          <a:bodyPr>
-            <a:normAutofit/>
-          </a:bodyPr>
-          <a:lstStyle/>
-          <a:p>
-            <a:r>
-              <a:rPr lang="zh-CN" altLang="en-US" sz="4000" dirty="0" smtClean="0"/>
-              <a:t>一、</a:t>
-            </a:r>
-            <a:r>
-              <a:rPr lang="en-US" altLang="zh-CN" sz="4000" dirty="0" smtClean="0"/>
-              <a:t>animation</a:t>
-            </a:r>
-            <a:endParaRPr lang="zh-CN" altLang="en-US" sz="4000" dirty="0"/>
-          </a:p>
-        </p:txBody>
-      </p:sp>
-      <p:sp>
-        <p:nvSpPr>
-          <p:cNvPr id="4" name="矩形 3"/>
-          <p:cNvSpPr/>
-          <p:nvPr/>
-        </p:nvSpPr>
-        <p:spPr>
-          <a:xfrm>
-            <a:off x="704526" y="1481072"/>
-            <a:ext cx="10386384" cy="4616648"/>
-          </a:xfrm>
-          <a:prstGeom prst="rect">
-            <a:avLst/>
-          </a:prstGeom>
-        </p:spPr>
-        <p:txBody>
-          <a:bodyPr wrap="square">
-            <a:spAutoFit/>
-          </a:bodyPr>
-          <a:lstStyle/>
-          <a:p>
-            <a:pPr>
-              <a:lnSpc>
-                <a:spcPct val="150000"/>
-              </a:lnSpc>
-            </a:pPr>
-            <a:r>
-              <a:rPr lang="en-US" altLang="zh-CN" sz="2800" b="1" dirty="0" smtClean="0"/>
-              <a:t>animation</a:t>
-            </a:r>
-            <a:r>
-              <a:rPr lang="zh-CN" altLang="en-US" sz="2800" b="1" dirty="0"/>
-              <a:t>属性是一个简写属性，用于设置六个动画属性：</a:t>
-            </a:r>
-            <a:r>
-              <a:rPr lang="en-US" altLang="zh-CN" sz="2800" b="1" dirty="0"/>
-              <a:t>  </a:t>
-            </a:r>
-          </a:p>
-          <a:p>
-            <a:pPr>
-              <a:lnSpc>
-                <a:spcPct val="150000"/>
-              </a:lnSpc>
-            </a:pPr>
-            <a:r>
-              <a:rPr lang="en-US" altLang="zh-CN" sz="2800" dirty="0" smtClean="0"/>
-              <a:t>animation-name</a:t>
-            </a:r>
-          </a:p>
-          <a:p>
-            <a:pPr>
-              <a:lnSpc>
-                <a:spcPct val="150000"/>
-              </a:lnSpc>
-            </a:pPr>
-            <a:r>
-              <a:rPr lang="en-US" altLang="zh-CN" sz="2800" dirty="0" smtClean="0"/>
-              <a:t>animation-duration       </a:t>
-            </a:r>
-          </a:p>
-          <a:p>
-            <a:pPr>
-              <a:lnSpc>
-                <a:spcPct val="150000"/>
-              </a:lnSpc>
-            </a:pPr>
-            <a:r>
-              <a:rPr lang="en-US" altLang="zh-CN" sz="2800" dirty="0" smtClean="0"/>
-              <a:t>animation-delay  </a:t>
-            </a:r>
-          </a:p>
-          <a:p>
-            <a:pPr>
-              <a:lnSpc>
-                <a:spcPct val="150000"/>
-              </a:lnSpc>
-            </a:pPr>
-            <a:r>
-              <a:rPr lang="en-US" altLang="zh-CN" sz="2800" dirty="0" smtClean="0"/>
-              <a:t>animation-timing-function</a:t>
-            </a:r>
-          </a:p>
-          <a:p>
-            <a:pPr>
-              <a:lnSpc>
-                <a:spcPct val="150000"/>
-              </a:lnSpc>
-            </a:pPr>
-            <a:r>
-              <a:rPr lang="en-US" altLang="zh-CN" sz="2800" dirty="0" smtClean="0"/>
-              <a:t>animation-iteration-</a:t>
-            </a:r>
-            <a:r>
-              <a:rPr lang="en-US" altLang="zh-CN" sz="2800" dirty="0" err="1" smtClean="0"/>
-              <a:t>countanim</a:t>
-            </a:r>
-            <a:endParaRPr lang="en-US" altLang="zh-CN" sz="2800" dirty="0" smtClean="0"/>
-          </a:p>
-          <a:p>
-            <a:pPr>
-              <a:lnSpc>
-                <a:spcPct val="150000"/>
-              </a:lnSpc>
-            </a:pPr>
-            <a:r>
-              <a:rPr lang="en-US" altLang="zh-CN" sz="2800" dirty="0" err="1" smtClean="0"/>
-              <a:t>ation</a:t>
-            </a:r>
-            <a:r>
-              <a:rPr lang="en-US" altLang="zh-CN" sz="2800" dirty="0" smtClean="0"/>
-              <a:t>-direction         </a:t>
-            </a:r>
-          </a:p>
-        </p:txBody>
-      </p:sp>
-    </p:spTree>
-    <p:custDataLst>
-      <p:tags r:id="rId1"/>
-    </p:custDataLst>
-    <p:extLst>
-      <p:ext uri="{BB962C8B-B14F-4D97-AF65-F5344CB8AC3E}">
-        <p14:creationId xmlns:p14="http://schemas.microsoft.com/office/powerpoint/2010/main" val="1577695266"/>
-      </p:ext>
-    </p:extLst>
-  </p:cSld>
-  <p:clrMapOvr>
-    <a:masterClrMapping/>
-  </p:clrMapOvr>
-  <p:timing>
-    <p:tnLst>
-      <p:par>
-        <p:cTn id="1" dur="indefinite" restart="never" nodeType="tmRoot"/>
-      </p:par>
-    </p:tnLst>
-  </p:timing>
-</p:sld>
-</file>
-
-<file path=ppt/slides/slide11.xml><?xml version="1.0" encoding="utf-8"?>
 <p:sld xmlns:a="http://schemas.openxmlformats.org/drawingml/2006/main" xmlns:r="http://schemas.openxmlformats.org/officeDocument/2006/relationships" xmlns:p="http://schemas.openxmlformats.org/presentationml/2006/main">
   <p:cSld>
     <p:spTree>
@@ -17535,7 +17262,7 @@
 </p:sld>
 </file>
 
-<file path=ppt/slides/slide12.xml><?xml version="1.0" encoding="utf-8"?>
+<file path=ppt/slides/slide11.xml><?xml version="1.0" encoding="utf-8"?>
 <p:sld xmlns:a="http://schemas.openxmlformats.org/drawingml/2006/main" xmlns:r="http://schemas.openxmlformats.org/officeDocument/2006/relationships" xmlns:p="http://schemas.openxmlformats.org/presentationml/2006/main">
   <p:cSld>
     <p:spTree>
@@ -17684,35 +17411,6 @@
           </a:extLst>
         </p:spPr>
       </p:pic>
-      <p:sp>
-        <p:nvSpPr>
-          <p:cNvPr id="5" name="矩形 4"/>
-          <p:cNvSpPr/>
-          <p:nvPr/>
-        </p:nvSpPr>
-        <p:spPr>
-          <a:xfrm>
-            <a:off x="9973911" y="5145643"/>
-            <a:ext cx="2024913" cy="523220"/>
-          </a:xfrm>
-          <a:prstGeom prst="rect">
-            <a:avLst/>
-          </a:prstGeom>
-        </p:spPr>
-        <p:txBody>
-          <a:bodyPr wrap="none">
-            <a:spAutoFit/>
-          </a:bodyPr>
-          <a:lstStyle/>
-          <a:p>
-            <a:r>
-              <a:rPr lang="en-US" altLang="zh-CN" sz="2800" b="1" dirty="0" smtClean="0"/>
-              <a:t>Demo-10-2</a:t>
-            </a:r>
-            <a:endParaRPr lang="zh-CN" altLang="en-US" sz="2800" dirty="0"/>
-          </a:p>
-        </p:txBody>
-      </p:sp>
     </p:spTree>
     <p:custDataLst>
       <p:tags r:id="rId1"/>
@@ -17736,7 +17434,7 @@
 </p:sld>
 </file>
 
-<file path=ppt/slides/slide13.xml><?xml version="1.0" encoding="utf-8"?>
+<file path=ppt/slides/slide12.xml><?xml version="1.0" encoding="utf-8"?>
 <p:sld xmlns:a="http://schemas.openxmlformats.org/drawingml/2006/main" xmlns:r="http://schemas.openxmlformats.org/officeDocument/2006/relationships" xmlns:p="http://schemas.openxmlformats.org/presentationml/2006/main">
   <p:cSld>
     <p:spTree>
@@ -17970,35 +17668,6 @@
               <a:t>&lt;/body&gt;</a:t>
             </a:r>
             <a:endParaRPr lang="zh-CN" altLang="en-US" dirty="0"/>
-          </a:p>
-        </p:txBody>
-      </p:sp>
-      <p:sp>
-        <p:nvSpPr>
-          <p:cNvPr id="5" name="矩形 4"/>
-          <p:cNvSpPr/>
-          <p:nvPr/>
-        </p:nvSpPr>
-        <p:spPr>
-          <a:xfrm>
-            <a:off x="8945210" y="5467588"/>
-            <a:ext cx="2024913" cy="523220"/>
-          </a:xfrm>
-          <a:prstGeom prst="rect">
-            <a:avLst/>
-          </a:prstGeom>
-        </p:spPr>
-        <p:txBody>
-          <a:bodyPr wrap="none">
-            <a:spAutoFit/>
-          </a:bodyPr>
-          <a:lstStyle/>
-          <a:p>
-            <a:r>
-              <a:rPr lang="en-US" altLang="zh-CN" sz="2800" b="1" dirty="0" smtClean="0"/>
-              <a:t>Demo-10-3</a:t>
-            </a:r>
-            <a:endParaRPr lang="zh-CN" altLang="en-US" sz="2800" dirty="0"/>
           </a:p>
         </p:txBody>
       </p:sp>
@@ -18239,7 +17908,7 @@
 </p:sld>
 </file>
 
-<file path=ppt/slides/slide14.xml><?xml version="1.0" encoding="utf-8"?>
+<file path=ppt/slides/slide13.xml><?xml version="1.0" encoding="utf-8"?>
 <p:sld xmlns:a="http://schemas.openxmlformats.org/drawingml/2006/main" xmlns:r="http://schemas.openxmlformats.org/officeDocument/2006/relationships" xmlns:p="http://schemas.openxmlformats.org/presentationml/2006/main">
   <p:cSld>
     <p:spTree>
@@ -19120,7 +18789,7 @@
 </p:sld>
 </file>
 
-<file path=ppt/slides/slide15.xml><?xml version="1.0" encoding="utf-8"?>
+<file path=ppt/slides/slide14.xml><?xml version="1.0" encoding="utf-8"?>
 <p:sld xmlns:a="http://schemas.openxmlformats.org/drawingml/2006/main" xmlns:r="http://schemas.openxmlformats.org/officeDocument/2006/relationships" xmlns:p="http://schemas.openxmlformats.org/presentationml/2006/main">
   <p:cSld>
     <p:spTree>
@@ -19486,7 +19155,7 @@
 </p:sld>
 </file>
 
-<file path=ppt/slides/slide16.xml><?xml version="1.0" encoding="utf-8"?>
+<file path=ppt/slides/slide15.xml><?xml version="1.0" encoding="utf-8"?>
 <p:sld xmlns:a="http://schemas.openxmlformats.org/drawingml/2006/main" xmlns:r="http://schemas.openxmlformats.org/officeDocument/2006/relationships" xmlns:p="http://schemas.openxmlformats.org/presentationml/2006/main">
   <p:cSld>
     <p:spTree>
@@ -20113,7 +19782,7 @@
 </p:sld>
 </file>
 
-<file path=ppt/slides/slide17.xml><?xml version="1.0" encoding="utf-8"?>
+<file path=ppt/slides/slide16.xml><?xml version="1.0" encoding="utf-8"?>
 <p:sld xmlns:a="http://schemas.openxmlformats.org/drawingml/2006/main" xmlns:r="http://schemas.openxmlformats.org/officeDocument/2006/relationships" xmlns:p="http://schemas.openxmlformats.org/presentationml/2006/main">
   <p:cSld>
     <p:spTree>
@@ -20298,35 +19967,6 @@
               <a:t>body&gt;</a:t>
             </a:r>
             <a:endParaRPr lang="zh-CN" altLang="en-US" sz="2400" dirty="0"/>
-          </a:p>
-        </p:txBody>
-      </p:sp>
-      <p:sp>
-        <p:nvSpPr>
-          <p:cNvPr id="5" name="矩形 4"/>
-          <p:cNvSpPr/>
-          <p:nvPr/>
-        </p:nvSpPr>
-        <p:spPr>
-          <a:xfrm>
-            <a:off x="9619399" y="5151598"/>
-            <a:ext cx="2024913" cy="523220"/>
-          </a:xfrm>
-          <a:prstGeom prst="rect">
-            <a:avLst/>
-          </a:prstGeom>
-        </p:spPr>
-        <p:txBody>
-          <a:bodyPr wrap="none">
-            <a:spAutoFit/>
-          </a:bodyPr>
-          <a:lstStyle/>
-          <a:p>
-            <a:r>
-              <a:rPr lang="en-US" altLang="zh-CN" sz="2800" b="1" dirty="0" smtClean="0"/>
-              <a:t>Demo-10-4</a:t>
-            </a:r>
-            <a:endParaRPr lang="zh-CN" altLang="en-US" sz="2800" dirty="0"/>
           </a:p>
         </p:txBody>
       </p:sp>
@@ -20353,7 +19993,7 @@
 </p:sld>
 </file>
 
-<file path=ppt/slides/slide18.xml><?xml version="1.0" encoding="utf-8"?>
+<file path=ppt/slides/slide17.xml><?xml version="1.0" encoding="utf-8"?>
 <p:sld xmlns:a="http://schemas.openxmlformats.org/drawingml/2006/main" xmlns:r="http://schemas.openxmlformats.org/officeDocument/2006/relationships" xmlns:p="http://schemas.openxmlformats.org/presentationml/2006/main">
   <p:cSld>
     <p:spTree>
@@ -20647,35 +20287,6 @@
               <a:t>&lt;/style&gt;</a:t>
             </a:r>
             <a:endParaRPr lang="zh-CN" altLang="en-US" sz="2400" dirty="0"/>
-          </a:p>
-        </p:txBody>
-      </p:sp>
-      <p:sp>
-        <p:nvSpPr>
-          <p:cNvPr id="6" name="矩形 5"/>
-          <p:cNvSpPr/>
-          <p:nvPr/>
-        </p:nvSpPr>
-        <p:spPr>
-          <a:xfrm>
-            <a:off x="9619399" y="5151598"/>
-            <a:ext cx="2024913" cy="523220"/>
-          </a:xfrm>
-          <a:prstGeom prst="rect">
-            <a:avLst/>
-          </a:prstGeom>
-        </p:spPr>
-        <p:txBody>
-          <a:bodyPr wrap="none">
-            <a:spAutoFit/>
-          </a:bodyPr>
-          <a:lstStyle/>
-          <a:p>
-            <a:r>
-              <a:rPr lang="en-US" altLang="zh-CN" sz="2800" b="1" dirty="0" smtClean="0"/>
-              <a:t>Demo-10-4</a:t>
-            </a:r>
-            <a:endParaRPr lang="zh-CN" altLang="en-US" sz="2800" dirty="0"/>
           </a:p>
         </p:txBody>
       </p:sp>
@@ -20702,7 +20313,7 @@
 </p:sld>
 </file>
 
-<file path=ppt/slides/slide19.xml><?xml version="1.0" encoding="utf-8"?>
+<file path=ppt/slides/slide18.xml><?xml version="1.0" encoding="utf-8"?>
 <p:sld xmlns:a="http://schemas.openxmlformats.org/drawingml/2006/main" xmlns:r="http://schemas.openxmlformats.org/officeDocument/2006/relationships" xmlns:p="http://schemas.openxmlformats.org/presentationml/2006/main">
   <p:cSld>
     <p:spTree>
@@ -21229,523 +20840,7 @@
 </p:sld>
 </file>
 
-<file path=ppt/slides/slide2.xml><?xml version="1.0" encoding="utf-8"?>
-<p:sld xmlns:a="http://schemas.openxmlformats.org/drawingml/2006/main" xmlns:r="http://schemas.openxmlformats.org/officeDocument/2006/relationships" xmlns:p="http://schemas.openxmlformats.org/presentationml/2006/main">
-  <p:cSld>
-    <p:spTree>
-      <p:nvGrpSpPr>
-        <p:cNvPr id="1" name=""/>
-        <p:cNvGrpSpPr/>
-        <p:nvPr/>
-      </p:nvGrpSpPr>
-      <p:grpSpPr>
-        <a:xfrm>
-          <a:off x="0" y="0"/>
-          <a:ext cx="0" cy="0"/>
-          <a:chOff x="0" y="0"/>
-          <a:chExt cx="0" cy="0"/>
-        </a:xfrm>
-      </p:grpSpPr>
-      <p:grpSp>
-        <p:nvGrpSpPr>
-          <p:cNvPr id="5" name="组合 4"/>
-          <p:cNvGrpSpPr/>
-          <p:nvPr>
-            <p:custDataLst>
-              <p:tags r:id="rId2"/>
-            </p:custDataLst>
-          </p:nvPr>
-        </p:nvGrpSpPr>
-        <p:grpSpPr>
-          <a:xfrm>
-            <a:off x="5915025" y="1927225"/>
-            <a:ext cx="3876675" cy="3459163"/>
-            <a:chOff x="5915025" y="1927225"/>
-            <a:chExt cx="3876675" cy="3459163"/>
-          </a:xfrm>
-        </p:grpSpPr>
-        <p:cxnSp>
-          <p:nvCxnSpPr>
-            <p:cNvPr id="36868" name="直接连接符 4"/>
-            <p:cNvCxnSpPr>
-              <a:cxnSpLocks noChangeShapeType="1"/>
-            </p:cNvCxnSpPr>
-            <p:nvPr>
-              <p:custDataLst>
-                <p:tags r:id="rId9"/>
-              </p:custDataLst>
-            </p:nvPr>
-          </p:nvCxnSpPr>
-          <p:spPr bwMode="auto">
-            <a:xfrm flipV="1">
-              <a:off x="9791700" y="2108200"/>
-              <a:ext cx="0" cy="492125"/>
-            </a:xfrm>
-            <a:prstGeom prst="line">
-              <a:avLst/>
-            </a:prstGeom>
-            <a:noFill/>
-            <a:ln w="6350" cmpd="sng">
-              <a:solidFill>
-                <a:schemeClr val="accent1"/>
-              </a:solidFill>
-              <a:prstDash val="sysDash"/>
-              <a:round/>
-              <a:headEnd type="oval" w="med" len="med"/>
-              <a:tailEnd type="oval" w="med" len="med"/>
-            </a:ln>
-            <a:extLst>
-              <a:ext uri="{909E8E84-426E-40DD-AFC4-6F175D3DCCD1}">
-                <a14:hiddenFill xmlns:a14="http://schemas.microsoft.com/office/drawing/2010/main">
-                  <a:noFill/>
-                </a14:hiddenFill>
-              </a:ext>
-            </a:extLst>
-          </p:spPr>
-        </p:cxnSp>
-        <p:cxnSp>
-          <p:nvCxnSpPr>
-            <p:cNvPr id="36869" name="直接连接符 5"/>
-            <p:cNvCxnSpPr>
-              <a:cxnSpLocks noChangeShapeType="1"/>
-            </p:cNvCxnSpPr>
-            <p:nvPr>
-              <p:custDataLst>
-                <p:tags r:id="rId10"/>
-              </p:custDataLst>
-            </p:nvPr>
-          </p:nvCxnSpPr>
-          <p:spPr bwMode="auto">
-            <a:xfrm flipH="1">
-              <a:off x="7894637" y="1927225"/>
-              <a:ext cx="1897063" cy="0"/>
-            </a:xfrm>
-            <a:prstGeom prst="line">
-              <a:avLst/>
-            </a:prstGeom>
-            <a:noFill/>
-            <a:ln w="6350" cmpd="sng">
-              <a:solidFill>
-                <a:schemeClr val="accent1"/>
-              </a:solidFill>
-              <a:prstDash val="sysDash"/>
-              <a:round/>
-              <a:headEnd type="oval" w="med" len="med"/>
-              <a:tailEnd type="oval" w="med" len="med"/>
-            </a:ln>
-            <a:extLst>
-              <a:ext uri="{909E8E84-426E-40DD-AFC4-6F175D3DCCD1}">
-                <a14:hiddenFill xmlns:a14="http://schemas.microsoft.com/office/drawing/2010/main">
-                  <a:noFill/>
-                </a14:hiddenFill>
-              </a:ext>
-            </a:extLst>
-          </p:spPr>
-        </p:cxnSp>
-        <p:cxnSp>
-          <p:nvCxnSpPr>
-            <p:cNvPr id="36870" name="直接连接符 6"/>
-            <p:cNvCxnSpPr>
-              <a:cxnSpLocks noChangeShapeType="1"/>
-            </p:cNvCxnSpPr>
-            <p:nvPr>
-              <p:custDataLst>
-                <p:tags r:id="rId11"/>
-              </p:custDataLst>
-            </p:nvPr>
-          </p:nvCxnSpPr>
-          <p:spPr bwMode="auto">
-            <a:xfrm>
-              <a:off x="5915025" y="5386388"/>
-              <a:ext cx="3722687" cy="0"/>
-            </a:xfrm>
-            <a:prstGeom prst="line">
-              <a:avLst/>
-            </a:prstGeom>
-            <a:noFill/>
-            <a:ln w="6350" cmpd="sng">
-              <a:solidFill>
-                <a:schemeClr val="accent1"/>
-              </a:solidFill>
-              <a:prstDash val="sysDash"/>
-              <a:round/>
-              <a:headEnd type="oval" w="med" len="med"/>
-              <a:tailEnd type="oval" w="med" len="med"/>
-            </a:ln>
-            <a:extLst>
-              <a:ext uri="{909E8E84-426E-40DD-AFC4-6F175D3DCCD1}">
-                <a14:hiddenFill xmlns:a14="http://schemas.microsoft.com/office/drawing/2010/main">
-                  <a:noFill/>
-                </a14:hiddenFill>
-              </a:ext>
-            </a:extLst>
-          </p:spPr>
-        </p:cxnSp>
-        <p:cxnSp>
-          <p:nvCxnSpPr>
-            <p:cNvPr id="36871" name="直接连接符 7"/>
-            <p:cNvCxnSpPr>
-              <a:cxnSpLocks noChangeShapeType="1"/>
-            </p:cNvCxnSpPr>
-            <p:nvPr>
-              <p:custDataLst>
-                <p:tags r:id="rId12"/>
-              </p:custDataLst>
-            </p:nvPr>
-          </p:nvCxnSpPr>
-          <p:spPr bwMode="auto">
-            <a:xfrm flipV="1">
-              <a:off x="9791700" y="4892675"/>
-              <a:ext cx="0" cy="493713"/>
-            </a:xfrm>
-            <a:prstGeom prst="line">
-              <a:avLst/>
-            </a:prstGeom>
-            <a:noFill/>
-            <a:ln w="6350" cmpd="sng">
-              <a:solidFill>
-                <a:schemeClr val="accent1"/>
-              </a:solidFill>
-              <a:prstDash val="sysDash"/>
-              <a:round/>
-              <a:headEnd type="oval" w="med" len="med"/>
-              <a:tailEnd type="oval" w="med" len="med"/>
-            </a:ln>
-            <a:extLst>
-              <a:ext uri="{909E8E84-426E-40DD-AFC4-6F175D3DCCD1}">
-                <a14:hiddenFill xmlns:a14="http://schemas.microsoft.com/office/drawing/2010/main">
-                  <a:noFill/>
-                </a14:hiddenFill>
-              </a:ext>
-            </a:extLst>
-          </p:spPr>
-        </p:cxnSp>
-      </p:grpSp>
-      <p:grpSp>
-        <p:nvGrpSpPr>
-          <p:cNvPr id="4" name="组合 3"/>
-          <p:cNvGrpSpPr/>
-          <p:nvPr>
-            <p:custDataLst>
-              <p:tags r:id="rId3"/>
-            </p:custDataLst>
-          </p:nvPr>
-        </p:nvGrpSpPr>
-        <p:grpSpPr>
-          <a:xfrm>
-            <a:off x="1198563" y="1927225"/>
-            <a:ext cx="3876675" cy="3459163"/>
-            <a:chOff x="1198563" y="1927225"/>
-            <a:chExt cx="3876675" cy="3459163"/>
-          </a:xfrm>
-        </p:grpSpPr>
-        <p:cxnSp>
-          <p:nvCxnSpPr>
-            <p:cNvPr id="36873" name="直接连接符 11"/>
-            <p:cNvCxnSpPr>
-              <a:cxnSpLocks noChangeShapeType="1"/>
-            </p:cNvCxnSpPr>
-            <p:nvPr>
-              <p:custDataLst>
-                <p:tags r:id="rId5"/>
-              </p:custDataLst>
-            </p:nvPr>
-          </p:nvCxnSpPr>
-          <p:spPr bwMode="auto">
-            <a:xfrm flipH="1" flipV="1">
-              <a:off x="1198563" y="2108200"/>
-              <a:ext cx="0" cy="492125"/>
-            </a:xfrm>
-            <a:prstGeom prst="line">
-              <a:avLst/>
-            </a:prstGeom>
-            <a:noFill/>
-            <a:ln w="6350" cmpd="sng">
-              <a:solidFill>
-                <a:schemeClr val="accent1"/>
-              </a:solidFill>
-              <a:prstDash val="sysDash"/>
-              <a:round/>
-              <a:headEnd type="oval" w="med" len="med"/>
-              <a:tailEnd type="oval" w="med" len="med"/>
-            </a:ln>
-            <a:extLst>
-              <a:ext uri="{909E8E84-426E-40DD-AFC4-6F175D3DCCD1}">
-                <a14:hiddenFill xmlns:a14="http://schemas.microsoft.com/office/drawing/2010/main">
-                  <a:noFill/>
-                </a14:hiddenFill>
-              </a:ext>
-            </a:extLst>
-          </p:spPr>
-        </p:cxnSp>
-        <p:cxnSp>
-          <p:nvCxnSpPr>
-            <p:cNvPr id="36874" name="直接连接符 12"/>
-            <p:cNvCxnSpPr>
-              <a:cxnSpLocks noChangeShapeType="1"/>
-            </p:cNvCxnSpPr>
-            <p:nvPr>
-              <p:custDataLst>
-                <p:tags r:id="rId6"/>
-              </p:custDataLst>
-            </p:nvPr>
-          </p:nvCxnSpPr>
-          <p:spPr bwMode="auto">
-            <a:xfrm>
-              <a:off x="1198563" y="1927225"/>
-              <a:ext cx="3876675" cy="0"/>
-            </a:xfrm>
-            <a:prstGeom prst="line">
-              <a:avLst/>
-            </a:prstGeom>
-            <a:noFill/>
-            <a:ln w="6350" cmpd="sng">
-              <a:solidFill>
-                <a:schemeClr val="accent1"/>
-              </a:solidFill>
-              <a:prstDash val="sysDash"/>
-              <a:round/>
-              <a:headEnd type="oval" w="med" len="med"/>
-              <a:tailEnd type="oval" w="med" len="med"/>
-            </a:ln>
-            <a:extLst>
-              <a:ext uri="{909E8E84-426E-40DD-AFC4-6F175D3DCCD1}">
-                <a14:hiddenFill xmlns:a14="http://schemas.microsoft.com/office/drawing/2010/main">
-                  <a:noFill/>
-                </a14:hiddenFill>
-              </a:ext>
-            </a:extLst>
-          </p:spPr>
-        </p:cxnSp>
-        <p:cxnSp>
-          <p:nvCxnSpPr>
-            <p:cNvPr id="36875" name="直接连接符 13"/>
-            <p:cNvCxnSpPr>
-              <a:cxnSpLocks noChangeShapeType="1"/>
-            </p:cNvCxnSpPr>
-            <p:nvPr>
-              <p:custDataLst>
-                <p:tags r:id="rId7"/>
-              </p:custDataLst>
-            </p:nvPr>
-          </p:nvCxnSpPr>
-          <p:spPr bwMode="auto">
-            <a:xfrm rot="16200000" flipV="1">
-              <a:off x="2300288" y="4438650"/>
-              <a:ext cx="0" cy="1895475"/>
-            </a:xfrm>
-            <a:prstGeom prst="line">
-              <a:avLst/>
-            </a:prstGeom>
-            <a:noFill/>
-            <a:ln w="6350" cmpd="sng">
-              <a:solidFill>
-                <a:schemeClr val="accent1"/>
-              </a:solidFill>
-              <a:prstDash val="sysDash"/>
-              <a:round/>
-              <a:headEnd type="oval" w="med" len="med"/>
-              <a:tailEnd type="oval" w="med" len="med"/>
-            </a:ln>
-            <a:extLst>
-              <a:ext uri="{909E8E84-426E-40DD-AFC4-6F175D3DCCD1}">
-                <a14:hiddenFill xmlns:a14="http://schemas.microsoft.com/office/drawing/2010/main">
-                  <a:noFill/>
-                </a14:hiddenFill>
-              </a:ext>
-            </a:extLst>
-          </p:spPr>
-        </p:cxnSp>
-        <p:cxnSp>
-          <p:nvCxnSpPr>
-            <p:cNvPr id="36876" name="直接连接符 14"/>
-            <p:cNvCxnSpPr>
-              <a:cxnSpLocks noChangeShapeType="1"/>
-            </p:cNvCxnSpPr>
-            <p:nvPr>
-              <p:custDataLst>
-                <p:tags r:id="rId8"/>
-              </p:custDataLst>
-            </p:nvPr>
-          </p:nvCxnSpPr>
-          <p:spPr bwMode="auto">
-            <a:xfrm flipH="1" flipV="1">
-              <a:off x="1198563" y="4892675"/>
-              <a:ext cx="0" cy="493713"/>
-            </a:xfrm>
-            <a:prstGeom prst="line">
-              <a:avLst/>
-            </a:prstGeom>
-            <a:noFill/>
-            <a:ln w="6350" cmpd="sng">
-              <a:solidFill>
-                <a:schemeClr val="accent1"/>
-              </a:solidFill>
-              <a:prstDash val="sysDash"/>
-              <a:round/>
-              <a:headEnd type="oval" w="med" len="med"/>
-              <a:tailEnd type="oval" w="med" len="med"/>
-            </a:ln>
-            <a:extLst>
-              <a:ext uri="{909E8E84-426E-40DD-AFC4-6F175D3DCCD1}">
-                <a14:hiddenFill xmlns:a14="http://schemas.microsoft.com/office/drawing/2010/main">
-                  <a:noFill/>
-                </a14:hiddenFill>
-              </a:ext>
-            </a:extLst>
-          </p:spPr>
-        </p:cxnSp>
-      </p:grpSp>
-      <p:sp>
-        <p:nvSpPr>
-          <p:cNvPr id="2" name="标题 1"/>
-          <p:cNvSpPr>
-            <a:spLocks noGrp="1"/>
-          </p:cNvSpPr>
-          <p:nvPr>
-            <p:ph type="title"/>
-            <p:custDataLst>
-              <p:tags r:id="rId4"/>
-            </p:custDataLst>
-          </p:nvPr>
-        </p:nvSpPr>
-        <p:spPr>
-          <a:xfrm>
-            <a:off x="595841" y="191663"/>
-            <a:ext cx="9791700" cy="792163"/>
-          </a:xfrm>
-        </p:spPr>
-        <p:txBody>
-          <a:bodyPr wrap="square">
-            <a:normAutofit/>
-          </a:bodyPr>
-          <a:lstStyle/>
-          <a:p>
-            <a:r>
-              <a:rPr lang="zh-CN" altLang="en-US" sz="4000" dirty="0" smtClean="0"/>
-              <a:t>课堂导入</a:t>
-            </a:r>
-            <a:endParaRPr lang="zh-CN" altLang="en-US" sz="4000" dirty="0"/>
-          </a:p>
-        </p:txBody>
-      </p:sp>
-      <p:sp>
-        <p:nvSpPr>
-          <p:cNvPr id="3" name="矩形 2"/>
-          <p:cNvSpPr/>
-          <p:nvPr/>
-        </p:nvSpPr>
-        <p:spPr>
-          <a:xfrm>
-            <a:off x="1836738" y="2341223"/>
-            <a:ext cx="3902078" cy="2031325"/>
-          </a:xfrm>
-          <a:prstGeom prst="rect">
-            <a:avLst/>
-          </a:prstGeom>
-        </p:spPr>
-        <p:txBody>
-          <a:bodyPr wrap="square">
-            <a:spAutoFit/>
-          </a:bodyPr>
-          <a:lstStyle/>
-          <a:p>
-            <a:pPr>
-              <a:lnSpc>
-                <a:spcPct val="150000"/>
-              </a:lnSpc>
-            </a:pPr>
-            <a:r>
-              <a:rPr lang="zh-CN" altLang="en-US" sz="2800" dirty="0" smtClean="0"/>
-              <a:t>复习上一讲内容</a:t>
-            </a:r>
-            <a:endParaRPr lang="en-US" altLang="zh-CN" sz="2800" dirty="0" smtClean="0"/>
-          </a:p>
-          <a:p>
-            <a:pPr>
-              <a:lnSpc>
-                <a:spcPct val="150000"/>
-              </a:lnSpc>
-            </a:pPr>
-            <a:r>
-              <a:rPr lang="en-US" altLang="zh-CN" sz="2800" dirty="0" smtClean="0">
-                <a:solidFill>
-                  <a:srgbClr val="FF0000"/>
-                </a:solidFill>
-              </a:rPr>
-              <a:t>1</a:t>
-            </a:r>
-            <a:r>
-              <a:rPr lang="zh-CN" altLang="en-US" sz="2800" dirty="0" smtClean="0">
-                <a:solidFill>
-                  <a:srgbClr val="FF0000"/>
-                </a:solidFill>
-              </a:rPr>
-              <a:t>、</a:t>
-            </a:r>
-            <a:r>
-              <a:rPr lang="en-US" altLang="zh-CN" sz="2800" dirty="0" smtClean="0">
-                <a:solidFill>
-                  <a:srgbClr val="FF0000"/>
-                </a:solidFill>
-              </a:rPr>
-              <a:t>transform</a:t>
-            </a:r>
-          </a:p>
-          <a:p>
-            <a:pPr>
-              <a:lnSpc>
-                <a:spcPct val="150000"/>
-              </a:lnSpc>
-            </a:pPr>
-            <a:r>
-              <a:rPr lang="en-US" altLang="zh-CN" sz="2800" dirty="0" smtClean="0">
-                <a:solidFill>
-                  <a:srgbClr val="FF0000"/>
-                </a:solidFill>
-              </a:rPr>
-              <a:t>2</a:t>
-            </a:r>
-            <a:r>
-              <a:rPr lang="zh-CN" altLang="en-US" sz="2800" dirty="0" smtClean="0">
-                <a:solidFill>
-                  <a:srgbClr val="FF0000"/>
-                </a:solidFill>
-              </a:rPr>
-              <a:t>、多重变形</a:t>
-            </a:r>
-            <a:endParaRPr lang="en-US" altLang="zh-CN" sz="2800" dirty="0" smtClean="0">
-              <a:solidFill>
-                <a:srgbClr val="FF0000"/>
-              </a:solidFill>
-            </a:endParaRPr>
-          </a:p>
-        </p:txBody>
-      </p:sp>
-    </p:spTree>
-    <p:custDataLst>
-      <p:tags r:id="rId1"/>
-    </p:custDataLst>
-    <p:extLst>
-      <p:ext uri="{BB962C8B-B14F-4D97-AF65-F5344CB8AC3E}">
-        <p14:creationId xmlns:p14="http://schemas.microsoft.com/office/powerpoint/2010/main" val="3041757927"/>
-      </p:ext>
-    </p:extLst>
-  </p:cSld>
-  <p:clrMapOvr>
-    <a:masterClrMapping/>
-  </p:clrMapOvr>
-  <p:timing>
-    <p:tnLst>
-      <p:par>
-        <p:cTn id="1" dur="indefinite" restart="never" nodeType="tmRoot"/>
-      </p:par>
-    </p:tnLst>
-  </p:timing>
-</p:sld>
-</file>
-
-<file path=ppt/slides/slide20.xml><?xml version="1.0" encoding="utf-8"?>
+<file path=ppt/slides/slide19.xml><?xml version="1.0" encoding="utf-8"?>
 <p:sld xmlns:a="http://schemas.openxmlformats.org/drawingml/2006/main" xmlns:r="http://schemas.openxmlformats.org/officeDocument/2006/relationships" xmlns:p="http://schemas.openxmlformats.org/presentationml/2006/main">
   <p:cSld>
     <p:spTree>
@@ -21952,7 +21047,7 @@
 </p:sld>
 </file>
 
-<file path=ppt/slides/slide3.xml><?xml version="1.0" encoding="utf-8"?>
+<file path=ppt/slides/slide2.xml><?xml version="1.0" encoding="utf-8"?>
 <p:sld xmlns:a="http://schemas.openxmlformats.org/drawingml/2006/main" xmlns:r="http://schemas.openxmlformats.org/officeDocument/2006/relationships" xmlns:p="http://schemas.openxmlformats.org/presentationml/2006/main">
   <p:cSld>
     <p:spTree>
@@ -23245,7 +22340,7 @@
 </p:sld>
 </file>
 
-<file path=ppt/slides/slide4.xml><?xml version="1.0" encoding="utf-8"?>
+<file path=ppt/slides/slide3.xml><?xml version="1.0" encoding="utf-8"?>
 <p:sld xmlns:a="http://schemas.openxmlformats.org/drawingml/2006/main" xmlns:r="http://schemas.openxmlformats.org/officeDocument/2006/relationships" xmlns:p="http://schemas.openxmlformats.org/presentationml/2006/main">
   <p:cSld>
     <p:spTree>
@@ -23757,7 +22852,7 @@
 </p:sld>
 </file>
 
-<file path=ppt/slides/slide5.xml><?xml version="1.0" encoding="utf-8"?>
+<file path=ppt/slides/slide4.xml><?xml version="1.0" encoding="utf-8"?>
 <p:sld xmlns:a="http://schemas.openxmlformats.org/drawingml/2006/main" xmlns:r="http://schemas.openxmlformats.org/officeDocument/2006/relationships" xmlns:p="http://schemas.openxmlformats.org/presentationml/2006/main">
   <p:cSld>
     <p:spTree>
@@ -24185,7 +23280,7 @@
 </p:sld>
 </file>
 
-<file path=ppt/slides/slide6.xml><?xml version="1.0" encoding="utf-8"?>
+<file path=ppt/slides/slide5.xml><?xml version="1.0" encoding="utf-8"?>
 <p:sld xmlns:a="http://schemas.openxmlformats.org/drawingml/2006/main" xmlns:r="http://schemas.openxmlformats.org/officeDocument/2006/relationships" xmlns:p="http://schemas.openxmlformats.org/presentationml/2006/main">
   <p:cSld>
     <p:spTree>
@@ -24489,7 +23584,7 @@
 </p:sld>
 </file>
 
-<file path=ppt/slides/slide7.xml><?xml version="1.0" encoding="utf-8"?>
+<file path=ppt/slides/slide6.xml><?xml version="1.0" encoding="utf-8"?>
 <p:sld xmlns:a="http://schemas.openxmlformats.org/drawingml/2006/main" xmlns:r="http://schemas.openxmlformats.org/officeDocument/2006/relationships" xmlns:p="http://schemas.openxmlformats.org/presentationml/2006/main">
   <p:cSld>
     <p:spTree>
@@ -25400,7 +24495,7 @@
 </p:sld>
 </file>
 
-<file path=ppt/slides/slide8.xml><?xml version="1.0" encoding="utf-8"?>
+<file path=ppt/slides/slide7.xml><?xml version="1.0" encoding="utf-8"?>
 <p:sld xmlns:a="http://schemas.openxmlformats.org/drawingml/2006/main" xmlns:r="http://schemas.openxmlformats.org/officeDocument/2006/relationships" xmlns:p="http://schemas.openxmlformats.org/presentationml/2006/main">
   <p:cSld>
     <p:spTree>
@@ -25521,35 +24616,6 @@
           </a:extLst>
         </p:spPr>
       </p:pic>
-      <p:sp>
-        <p:nvSpPr>
-          <p:cNvPr id="4" name="矩形 3"/>
-          <p:cNvSpPr/>
-          <p:nvPr/>
-        </p:nvSpPr>
-        <p:spPr>
-          <a:xfrm>
-            <a:off x="8999118" y="498884"/>
-            <a:ext cx="2024913" cy="523220"/>
-          </a:xfrm>
-          <a:prstGeom prst="rect">
-            <a:avLst/>
-          </a:prstGeom>
-        </p:spPr>
-        <p:txBody>
-          <a:bodyPr wrap="none">
-            <a:spAutoFit/>
-          </a:bodyPr>
-          <a:lstStyle/>
-          <a:p>
-            <a:r>
-              <a:rPr lang="en-US" altLang="zh-CN" sz="2800" b="1" dirty="0" smtClean="0"/>
-              <a:t>Demo-10-1</a:t>
-            </a:r>
-            <a:endParaRPr lang="zh-CN" altLang="en-US" sz="2800" dirty="0"/>
-          </a:p>
-        </p:txBody>
-      </p:sp>
     </p:spTree>
     <p:custDataLst>
       <p:tags r:id="rId1"/>
@@ -25568,7 +24634,7 @@
 </p:sld>
 </file>
 
-<file path=ppt/slides/slide9.xml><?xml version="1.0" encoding="utf-8"?>
+<file path=ppt/slides/slide8.xml><?xml version="1.0" encoding="utf-8"?>
 <p:sld xmlns:a="http://schemas.openxmlformats.org/drawingml/2006/main" xmlns:r="http://schemas.openxmlformats.org/officeDocument/2006/relationships" xmlns:p="http://schemas.openxmlformats.org/presentationml/2006/main">
   <p:cSld>
     <p:spTree>
@@ -26056,6 +25122,194 @@
 </p:sld>
 </file>
 
+<file path=ppt/slides/slide9.xml><?xml version="1.0" encoding="utf-8"?>
+<p:sld xmlns:a="http://schemas.openxmlformats.org/drawingml/2006/main" xmlns:r="http://schemas.openxmlformats.org/officeDocument/2006/relationships" xmlns:p="http://schemas.openxmlformats.org/presentationml/2006/main">
+  <p:cSld>
+    <p:spTree>
+      <p:nvGrpSpPr>
+        <p:cNvPr id="1" name=""/>
+        <p:cNvGrpSpPr/>
+        <p:nvPr/>
+      </p:nvGrpSpPr>
+      <p:grpSpPr>
+        <a:xfrm>
+          <a:off x="0" y="0"/>
+          <a:ext cx="0" cy="0"/>
+          <a:chOff x="0" y="0"/>
+          <a:chExt cx="0" cy="0"/>
+        </a:xfrm>
+      </p:grpSpPr>
+      <p:sp>
+        <p:nvSpPr>
+          <p:cNvPr id="5122" name="Rectangle 2"/>
+          <p:cNvSpPr>
+            <a:spLocks noGrp="1" noChangeArrowheads="1"/>
+          </p:cNvSpPr>
+          <p:nvPr>
+            <p:ph type="title"/>
+            <p:custDataLst>
+              <p:tags r:id="rId2"/>
+            </p:custDataLst>
+          </p:nvPr>
+        </p:nvSpPr>
+        <p:spPr/>
+        <p:txBody>
+          <a:bodyPr>
+            <a:normAutofit/>
+          </a:bodyPr>
+          <a:lstStyle/>
+          <a:p>
+            <a:r>
+              <a:rPr lang="zh-CN" altLang="en-US" sz="4000" dirty="0" smtClean="0"/>
+              <a:t>一、</a:t>
+            </a:r>
+            <a:r>
+              <a:rPr lang="en-US" altLang="zh-CN" sz="4000" dirty="0" smtClean="0"/>
+              <a:t>animation</a:t>
+            </a:r>
+            <a:endParaRPr lang="zh-CN" altLang="en-US" sz="4000" dirty="0"/>
+          </a:p>
+        </p:txBody>
+      </p:sp>
+      <p:sp>
+        <p:nvSpPr>
+          <p:cNvPr id="4" name="矩形 3"/>
+          <p:cNvSpPr/>
+          <p:nvPr/>
+        </p:nvSpPr>
+        <p:spPr>
+          <a:xfrm>
+            <a:off x="704526" y="1481072"/>
+            <a:ext cx="10386384" cy="4616648"/>
+          </a:xfrm>
+          <a:prstGeom prst="rect">
+            <a:avLst/>
+          </a:prstGeom>
+        </p:spPr>
+        <p:txBody>
+          <a:bodyPr wrap="square">
+            <a:spAutoFit/>
+          </a:bodyPr>
+          <a:lstStyle/>
+          <a:p>
+            <a:pPr>
+              <a:lnSpc>
+                <a:spcPct val="150000"/>
+              </a:lnSpc>
+            </a:pPr>
+            <a:r>
+              <a:rPr lang="en-US" altLang="zh-CN" sz="2800" b="1" dirty="0" smtClean="0"/>
+              <a:t>animation</a:t>
+            </a:r>
+            <a:r>
+              <a:rPr lang="zh-CN" altLang="en-US" sz="2800" b="1" dirty="0"/>
+              <a:t>属性是一个简写属性，用于设置六个动画属性：</a:t>
+            </a:r>
+            <a:r>
+              <a:rPr lang="en-US" altLang="zh-CN" sz="2800" b="1" dirty="0"/>
+              <a:t>  </a:t>
+            </a:r>
+          </a:p>
+          <a:p>
+            <a:pPr>
+              <a:lnSpc>
+                <a:spcPct val="150000"/>
+              </a:lnSpc>
+            </a:pPr>
+            <a:r>
+              <a:rPr lang="en-US" altLang="zh-CN" sz="2800" dirty="0" smtClean="0"/>
+              <a:t>animation-name</a:t>
+            </a:r>
+          </a:p>
+          <a:p>
+            <a:pPr>
+              <a:lnSpc>
+                <a:spcPct val="150000"/>
+              </a:lnSpc>
+            </a:pPr>
+            <a:r>
+              <a:rPr lang="en-US" altLang="zh-CN" sz="2800" dirty="0" smtClean="0"/>
+              <a:t>animation-duration       </a:t>
+            </a:r>
+          </a:p>
+          <a:p>
+            <a:pPr>
+              <a:lnSpc>
+                <a:spcPct val="150000"/>
+              </a:lnSpc>
+            </a:pPr>
+            <a:r>
+              <a:rPr lang="en-US" altLang="zh-CN" sz="2800" dirty="0" smtClean="0"/>
+              <a:t>animation-delay  </a:t>
+            </a:r>
+          </a:p>
+          <a:p>
+            <a:pPr>
+              <a:lnSpc>
+                <a:spcPct val="150000"/>
+              </a:lnSpc>
+            </a:pPr>
+            <a:r>
+              <a:rPr lang="en-US" altLang="zh-CN" sz="2800" dirty="0" smtClean="0"/>
+              <a:t>animation-timing-function</a:t>
+            </a:r>
+          </a:p>
+          <a:p>
+            <a:pPr>
+              <a:lnSpc>
+                <a:spcPct val="150000"/>
+              </a:lnSpc>
+            </a:pPr>
+            <a:r>
+              <a:rPr lang="en-US" altLang="zh-CN" sz="2800" dirty="0" smtClean="0"/>
+              <a:t>animation-iteration-</a:t>
+            </a:r>
+            <a:r>
+              <a:rPr lang="en-US" altLang="zh-CN" sz="2800" dirty="0" err="1" smtClean="0"/>
+              <a:t>countanim</a:t>
+            </a:r>
+            <a:endParaRPr lang="en-US" altLang="zh-CN" sz="2800" dirty="0" smtClean="0"/>
+          </a:p>
+          <a:p>
+            <a:pPr>
+              <a:lnSpc>
+                <a:spcPct val="150000"/>
+              </a:lnSpc>
+            </a:pPr>
+            <a:r>
+              <a:rPr lang="en-US" altLang="zh-CN" sz="2800" dirty="0" err="1" smtClean="0"/>
+              <a:t>ation</a:t>
+            </a:r>
+            <a:r>
+              <a:rPr lang="en-US" altLang="zh-CN" sz="2800" dirty="0" smtClean="0"/>
+              <a:t>-direction         </a:t>
+            </a:r>
+          </a:p>
+        </p:txBody>
+      </p:sp>
+    </p:spTree>
+    <p:custDataLst>
+      <p:tags r:id="rId1"/>
+    </p:custDataLst>
+    <p:extLst>
+      <p:ext uri="{BB962C8B-B14F-4D97-AF65-F5344CB8AC3E}">
+        <p14:creationId xmlns:p14="http://schemas.microsoft.com/office/powerpoint/2010/main" val="1577695266"/>
+      </p:ext>
+    </p:extLst>
+  </p:cSld>
+  <p:clrMapOvr>
+    <a:masterClrMapping/>
+  </p:clrMapOvr>
+  <p:timing>
+    <p:tnLst>
+      <p:par>
+        <p:cTn id="1" dur="indefinite" restart="never" nodeType="tmRoot"/>
+      </p:par>
+    </p:tnLst>
+  </p:timing>
+</p:sld>
+</file>
+
 <file path=ppt/tags/tag1.xml><?xml version="1.0" encoding="utf-8"?>
 <p:tagLst xmlns:a="http://schemas.openxmlformats.org/drawingml/2006/main" xmlns:r="http://schemas.openxmlformats.org/officeDocument/2006/relationships" xmlns:p="http://schemas.openxmlformats.org/presentationml/2006/main">
   <p:tag name="KSO_WM_TEMPLATE_THUMBS_INDEX" val="1、9、12、15、22、25、26、28、29"/>
@@ -26076,11 +25330,17 @@
 <p:tagLst xmlns:a="http://schemas.openxmlformats.org/drawingml/2006/main" xmlns:r="http://schemas.openxmlformats.org/officeDocument/2006/relationships" xmlns:p="http://schemas.openxmlformats.org/presentationml/2006/main">
   <p:tag name="KSO_WM_TAG_VERSION" val="1.0"/>
   <p:tag name="KSO_WM_BEAUTIFY_FLAG" val="#wm#"/>
-  <p:tag name="KSO_WM_UNIT_TYPE" val="i"/>
-  <p:tag name="KSO_WM_UNIT_ID" val="custom160336_28*i*20"/>
   <p:tag name="KSO_WM_TEMPLATE_CATEGORY" val="custom"/>
   <p:tag name="KSO_WM_TEMPLATE_INDEX" val="160336"/>
-  <p:tag name="KSO_WM_UNIT_INDEX" val="20"/>
+  <p:tag name="KSO_WM_UNIT_TYPE" val="l_i"/>
+  <p:tag name="KSO_WM_UNIT_INDEX" val="1_1"/>
+  <p:tag name="KSO_WM_UNIT_ID" val="custom160336_11*l_i*1_1"/>
+  <p:tag name="KSO_WM_UNIT_CLEAR" val="1"/>
+  <p:tag name="KSO_WM_UNIT_LAYERLEVEL" val="1_1"/>
+  <p:tag name="KSO_WM_DIAGRAM_GROUP_CODE" val="l1-1"/>
+  <p:tag name="KSO_WM_UNIT_FILL_FORE_SCHEMECOLOR_INDEX" val="5"/>
+  <p:tag name="KSO_WM_UNIT_FILL_TYPE" val="1"/>
+  <p:tag name="KSO_WM_UNIT_USESOURCEFORMAT_APPLY" val="1"/>
 </p:tagLst>
 </file>
 
@@ -26088,23 +25348,38 @@
 <p:tagLst xmlns:a="http://schemas.openxmlformats.org/drawingml/2006/main" xmlns:r="http://schemas.openxmlformats.org/officeDocument/2006/relationships" xmlns:p="http://schemas.openxmlformats.org/presentationml/2006/main">
   <p:tag name="KSO_WM_TAG_VERSION" val="1.0"/>
   <p:tag name="KSO_WM_BEAUTIFY_FLAG" val="#wm#"/>
-  <p:tag name="KSO_WM_UNIT_TYPE" val="i"/>
-  <p:tag name="KSO_WM_UNIT_ID" val="custom160336_28*i*21"/>
   <p:tag name="KSO_WM_TEMPLATE_CATEGORY" val="custom"/>
   <p:tag name="KSO_WM_TEMPLATE_INDEX" val="160336"/>
-  <p:tag name="KSO_WM_UNIT_INDEX" val="21"/>
+  <p:tag name="KSO_WM_UNIT_TYPE" val="l_h_f"/>
+  <p:tag name="KSO_WM_UNIT_INDEX" val="1_1_1"/>
+  <p:tag name="KSO_WM_UNIT_ID" val="custom160336_11*l_h_f*1_1_1"/>
+  <p:tag name="KSO_WM_UNIT_CLEAR" val="1"/>
+  <p:tag name="KSO_WM_UNIT_LAYERLEVEL" val="1_1_1"/>
+  <p:tag name="KSO_WM_UNIT_VALUE" val="15"/>
+  <p:tag name="KSO_WM_UNIT_HIGHLIGHT" val="0"/>
+  <p:tag name="KSO_WM_UNIT_COMPATIBLE" val="0"/>
+  <p:tag name="KSO_WM_UNIT_PRESET_TEXT_INDEX" val="4"/>
+  <p:tag name="KSO_WM_UNIT_PRESET_TEXT_LEN" val="26"/>
+  <p:tag name="KSO_WM_DIAGRAM_GROUP_CODE" val="l1-1"/>
+  <p:tag name="KSO_WM_UNIT_TEXT_FILL_FORE_SCHEMECOLOR_INDEX" val="13"/>
+  <p:tag name="KSO_WM_UNIT_TEXT_FILL_TYPE" val="1"/>
+  <p:tag name="KSO_WM_UNIT_USESOURCEFORMAT_APPLY" val="1"/>
 </p:tagLst>
 </file>
 
 <file path=ppt/tags/tag12.xml><?xml version="1.0" encoding="utf-8"?>
 <p:tagLst xmlns:a="http://schemas.openxmlformats.org/drawingml/2006/main" xmlns:r="http://schemas.openxmlformats.org/officeDocument/2006/relationships" xmlns:p="http://schemas.openxmlformats.org/presentationml/2006/main">
-  <p:tag name="KSO_WM_TAG_VERSION" val="1.0"/>
-  <p:tag name="KSO_WM_BEAUTIFY_FLAG" val="#wm#"/>
-  <p:tag name="KSO_WM_UNIT_TYPE" val="i"/>
-  <p:tag name="KSO_WM_UNIT_ID" val="custom160336_28*i*7"/>
   <p:tag name="KSO_WM_TEMPLATE_CATEGORY" val="custom"/>
   <p:tag name="KSO_WM_TEMPLATE_INDEX" val="160336"/>
-  <p:tag name="KSO_WM_UNIT_INDEX" val="7"/>
+  <p:tag name="KSO_WM_TAG_VERSION" val="1.0"/>
+  <p:tag name="KSO_WM_SLIDE_ID" val="custom160336_6"/>
+  <p:tag name="KSO_WM_SLIDE_INDEX" val="6"/>
+  <p:tag name="KSO_WM_SLIDE_ITEM_CNT" val="1"/>
+  <p:tag name="KSO_WM_SLIDE_LAYOUT" val="a_l"/>
+  <p:tag name="KSO_WM_SLIDE_LAYOUT_CNT" val="1_1"/>
+  <p:tag name="KSO_WM_SLIDE_TYPE" val="contents"/>
+  <p:tag name="KSO_WM_BEAUTIFY_FLAG" val="#wm#"/>
+  <p:tag name="KSO_WM_DIAGRAM_GROUP_CODE" val="l1-1"/>
 </p:tagLst>
 </file>
 
@@ -26113,10 +25388,10 @@
   <p:tag name="KSO_WM_TAG_VERSION" val="1.0"/>
   <p:tag name="KSO_WM_BEAUTIFY_FLAG" val="#wm#"/>
   <p:tag name="KSO_WM_UNIT_TYPE" val="i"/>
-  <p:tag name="KSO_WM_UNIT_ID" val="custom160336_28*i*8"/>
+  <p:tag name="KSO_WM_UNIT_ID" val="custom160336_6*i*0"/>
   <p:tag name="KSO_WM_TEMPLATE_CATEGORY" val="custom"/>
   <p:tag name="KSO_WM_TEMPLATE_INDEX" val="160336"/>
-  <p:tag name="KSO_WM_UNIT_INDEX" val="8"/>
+  <p:tag name="KSO_WM_UNIT_INDEX" val="0"/>
 </p:tagLst>
 </file>
 
@@ -26124,11 +25399,17 @@
 <p:tagLst xmlns:a="http://schemas.openxmlformats.org/drawingml/2006/main" xmlns:r="http://schemas.openxmlformats.org/officeDocument/2006/relationships" xmlns:p="http://schemas.openxmlformats.org/presentationml/2006/main">
   <p:tag name="KSO_WM_TAG_VERSION" val="1.0"/>
   <p:tag name="KSO_WM_BEAUTIFY_FLAG" val="#wm#"/>
-  <p:tag name="KSO_WM_UNIT_TYPE" val="i"/>
-  <p:tag name="KSO_WM_UNIT_ID" val="custom160336_28*i*9"/>
   <p:tag name="KSO_WM_TEMPLATE_CATEGORY" val="custom"/>
   <p:tag name="KSO_WM_TEMPLATE_INDEX" val="160336"/>
-  <p:tag name="KSO_WM_UNIT_INDEX" val="9"/>
+  <p:tag name="KSO_WM_UNIT_TYPE" val="l_i"/>
+  <p:tag name="KSO_WM_UNIT_INDEX" val="1_1"/>
+  <p:tag name="KSO_WM_UNIT_ID" val="custom160336_6*l_i*1_1"/>
+  <p:tag name="KSO_WM_UNIT_CLEAR" val="1"/>
+  <p:tag name="KSO_WM_UNIT_LAYERLEVEL" val="1_1"/>
+  <p:tag name="KSO_WM_DIAGRAM_GROUP_CODE" val="l1-1"/>
+  <p:tag name="KSO_WM_UNIT_FILL_FORE_SCHEMECOLOR_INDEX" val="5"/>
+  <p:tag name="KSO_WM_UNIT_FILL_TYPE" val="1"/>
+  <p:tag name="KSO_WM_UNIT_USESOURCEFORMAT_APPLY" val="1"/>
 </p:tagLst>
 </file>
 
@@ -26136,15 +25417,43 @@
 <p:tagLst xmlns:a="http://schemas.openxmlformats.org/drawingml/2006/main" xmlns:r="http://schemas.openxmlformats.org/officeDocument/2006/relationships" xmlns:p="http://schemas.openxmlformats.org/presentationml/2006/main">
   <p:tag name="KSO_WM_TAG_VERSION" val="1.0"/>
   <p:tag name="KSO_WM_BEAUTIFY_FLAG" val="#wm#"/>
-  <p:tag name="KSO_WM_UNIT_TYPE" val="i"/>
-  <p:tag name="KSO_WM_UNIT_ID" val="custom160336_28*i*10"/>
   <p:tag name="KSO_WM_TEMPLATE_CATEGORY" val="custom"/>
   <p:tag name="KSO_WM_TEMPLATE_INDEX" val="160336"/>
-  <p:tag name="KSO_WM_UNIT_INDEX" val="10"/>
+  <p:tag name="KSO_WM_UNIT_TYPE" val="l_h_f"/>
+  <p:tag name="KSO_WM_UNIT_INDEX" val="1_1_1"/>
+  <p:tag name="KSO_WM_UNIT_ID" val="custom160336_6*l_h_f*1_1_1"/>
+  <p:tag name="KSO_WM_UNIT_CLEAR" val="1"/>
+  <p:tag name="KSO_WM_UNIT_LAYERLEVEL" val="1_1_1"/>
+  <p:tag name="KSO_WM_UNIT_VALUE" val="32"/>
+  <p:tag name="KSO_WM_UNIT_HIGHLIGHT" val="0"/>
+  <p:tag name="KSO_WM_UNIT_COMPATIBLE" val="0"/>
+  <p:tag name="KSO_WM_UNIT_PRESET_TEXT_INDEX" val="4"/>
+  <p:tag name="KSO_WM_UNIT_PRESET_TEXT_LEN" val="26"/>
+  <p:tag name="KSO_WM_DIAGRAM_GROUP_CODE" val="l1-1"/>
+  <p:tag name="KSO_WM_UNIT_TEXT_FILL_FORE_SCHEMECOLOR_INDEX" val="13"/>
+  <p:tag name="KSO_WM_UNIT_TEXT_FILL_TYPE" val="1"/>
+  <p:tag name="KSO_WM_UNIT_USESOURCEFORMAT_APPLY" val="1"/>
 </p:tagLst>
 </file>
 
 <file path=ppt/tags/tag16.xml><?xml version="1.0" encoding="utf-8"?>
+<p:tagLst xmlns:a="http://schemas.openxmlformats.org/drawingml/2006/main" xmlns:r="http://schemas.openxmlformats.org/officeDocument/2006/relationships" xmlns:p="http://schemas.openxmlformats.org/presentationml/2006/main">
+  <p:tag name="KSO_WM_TEMPLATE_CATEGORY" val="custom"/>
+  <p:tag name="KSO_WM_TEMPLATE_INDEX" val="160336"/>
+  <p:tag name="KSO_WM_TAG_VERSION" val="1.0"/>
+  <p:tag name="KSO_WM_SLIDE_ID" val="custom160336_2"/>
+  <p:tag name="KSO_WM_SLIDE_INDEX" val="2"/>
+  <p:tag name="KSO_WM_SLIDE_ITEM_CNT" val="1"/>
+  <p:tag name="KSO_WM_SLIDE_LAYOUT" val="a_f"/>
+  <p:tag name="KSO_WM_SLIDE_LAYOUT_CNT" val="1_1"/>
+  <p:tag name="KSO_WM_SLIDE_TYPE" val="text"/>
+  <p:tag name="KSO_WM_BEAUTIFY_FLAG" val="#wm#"/>
+  <p:tag name="KSO_WM_SLIDE_POSITION" val="109*173"/>
+  <p:tag name="KSO_WM_SLIDE_SIZE" val="618*244"/>
+</p:tagLst>
+</file>
+
+<file path=ppt/tags/tag17.xml><?xml version="1.0" encoding="utf-8"?>
 <p:tagLst xmlns:a="http://schemas.openxmlformats.org/drawingml/2006/main" xmlns:r="http://schemas.openxmlformats.org/officeDocument/2006/relationships" xmlns:p="http://schemas.openxmlformats.org/presentationml/2006/main">
   <p:tag name="KSO_WM_TAG_VERSION" val="1.0"/>
   <p:tag name="KSO_WM_BEAUTIFY_FLAG" val="#wm#"/>
@@ -26164,27 +25473,20 @@
 </p:tagLst>
 </file>
 
-<file path=ppt/tags/tag17.xml><?xml version="1.0" encoding="utf-8"?>
+<file path=ppt/tags/tag18.xml><?xml version="1.0" encoding="utf-8"?>
 <p:tagLst xmlns:a="http://schemas.openxmlformats.org/drawingml/2006/main" xmlns:r="http://schemas.openxmlformats.org/officeDocument/2006/relationships" xmlns:p="http://schemas.openxmlformats.org/presentationml/2006/main">
-  <p:tag name="KSO_WM_TAG_VERSION" val="1.0"/>
-  <p:tag name="KSO_WM_BEAUTIFY_FLAG" val="#wm#"/>
-  <p:tag name="KSO_WM_UNIT_TYPE" val="i"/>
-  <p:tag name="KSO_WM_UNIT_ID" val="custom160336_11*i*0"/>
   <p:tag name="KSO_WM_TEMPLATE_CATEGORY" val="custom"/>
   <p:tag name="KSO_WM_TEMPLATE_INDEX" val="160336"/>
-  <p:tag name="KSO_WM_UNIT_INDEX" val="0"/>
-</p:tagLst>
-</file>
-
-<file path=ppt/tags/tag18.xml><?xml version="1.0" encoding="utf-8"?>
-<p:tagLst xmlns:a="http://schemas.openxmlformats.org/drawingml/2006/main" xmlns:r="http://schemas.openxmlformats.org/officeDocument/2006/relationships" xmlns:p="http://schemas.openxmlformats.org/presentationml/2006/main">
   <p:tag name="KSO_WM_TAG_VERSION" val="1.0"/>
+  <p:tag name="KSO_WM_SLIDE_ID" val="custom160336_2"/>
+  <p:tag name="KSO_WM_SLIDE_INDEX" val="2"/>
+  <p:tag name="KSO_WM_SLIDE_ITEM_CNT" val="1"/>
+  <p:tag name="KSO_WM_SLIDE_LAYOUT" val="a_f"/>
+  <p:tag name="KSO_WM_SLIDE_LAYOUT_CNT" val="1_1"/>
+  <p:tag name="KSO_WM_SLIDE_TYPE" val="text"/>
   <p:tag name="KSO_WM_BEAUTIFY_FLAG" val="#wm#"/>
-  <p:tag name="KSO_WM_UNIT_TYPE" val="i"/>
-  <p:tag name="KSO_WM_UNIT_ID" val="custom160336_11*i*5"/>
-  <p:tag name="KSO_WM_TEMPLATE_CATEGORY" val="custom"/>
-  <p:tag name="KSO_WM_TEMPLATE_INDEX" val="160336"/>
-  <p:tag name="KSO_WM_UNIT_INDEX" val="5"/>
+  <p:tag name="KSO_WM_SLIDE_POSITION" val="109*173"/>
+  <p:tag name="KSO_WM_SLIDE_SIZE" val="618*244"/>
 </p:tagLst>
 </file>
 
@@ -26196,14 +25498,15 @@
   <p:tag name="KSO_WM_TEMPLATE_INDEX" val="160336"/>
   <p:tag name="KSO_WM_UNIT_TYPE" val="a"/>
   <p:tag name="KSO_WM_UNIT_INDEX" val="1"/>
-  <p:tag name="KSO_WM_UNIT_ID" val="custom160336_11*a*1"/>
+  <p:tag name="KSO_WM_UNIT_ID" val="custom160336_2*a*1"/>
   <p:tag name="KSO_WM_UNIT_CLEAR" val="1"/>
   <p:tag name="KSO_WM_UNIT_LAYERLEVEL" val="1"/>
-  <p:tag name="KSO_WM_UNIT_ISCONTENTSTITLE" val="1"/>
-  <p:tag name="KSO_WM_UNIT_VALUE" val="5"/>
+  <p:tag name="KSO_WM_UNIT_VALUE" val="27"/>
+  <p:tag name="KSO_WM_UNIT_ISCONTENTSTITLE" val="0"/>
   <p:tag name="KSO_WM_UNIT_HIGHLIGHT" val="0"/>
   <p:tag name="KSO_WM_UNIT_COMPATIBLE" val="0"/>
-  <p:tag name="KSO_WM_UNIT_PRESET_TEXT" val="CONTENTS"/>
+  <p:tag name="KSO_WM_UNIT_PRESET_TEXT_INDEX" val="3"/>
+  <p:tag name="KSO_WM_UNIT_PRESET_TEXT_LEN" val="17"/>
 </p:tagLst>
 </file>
 
@@ -26229,24 +25532,18 @@
 
 <file path=ppt/tags/tag20.xml><?xml version="1.0" encoding="utf-8"?>
 <p:tagLst xmlns:a="http://schemas.openxmlformats.org/drawingml/2006/main" xmlns:r="http://schemas.openxmlformats.org/officeDocument/2006/relationships" xmlns:p="http://schemas.openxmlformats.org/presentationml/2006/main">
-  <p:tag name="KSO_WM_TAG_VERSION" val="1.0"/>
-  <p:tag name="KSO_WM_BEAUTIFY_FLAG" val="#wm#"/>
   <p:tag name="KSO_WM_TEMPLATE_CATEGORY" val="custom"/>
   <p:tag name="KSO_WM_TEMPLATE_INDEX" val="160336"/>
-  <p:tag name="KSO_WM_UNIT_TYPE" val="l_h_f"/>
-  <p:tag name="KSO_WM_UNIT_INDEX" val="1_2_1"/>
-  <p:tag name="KSO_WM_UNIT_ID" val="custom160336_11*l_h_f*1_2_1"/>
-  <p:tag name="KSO_WM_UNIT_CLEAR" val="1"/>
-  <p:tag name="KSO_WM_UNIT_LAYERLEVEL" val="1_1_1"/>
-  <p:tag name="KSO_WM_UNIT_VALUE" val="15"/>
-  <p:tag name="KSO_WM_UNIT_HIGHLIGHT" val="0"/>
-  <p:tag name="KSO_WM_UNIT_COMPATIBLE" val="0"/>
-  <p:tag name="KSO_WM_UNIT_PRESET_TEXT_INDEX" val="4"/>
-  <p:tag name="KSO_WM_UNIT_PRESET_TEXT_LEN" val="26"/>
-  <p:tag name="KSO_WM_DIAGRAM_GROUP_CODE" val="l1-1"/>
-  <p:tag name="KSO_WM_UNIT_TEXT_FILL_FORE_SCHEMECOLOR_INDEX" val="13"/>
-  <p:tag name="KSO_WM_UNIT_TEXT_FILL_TYPE" val="1"/>
-  <p:tag name="KSO_WM_UNIT_USESOURCEFORMAT_APPLY" val="1"/>
+  <p:tag name="KSO_WM_TAG_VERSION" val="1.0"/>
+  <p:tag name="KSO_WM_SLIDE_ID" val="custom160336_2"/>
+  <p:tag name="KSO_WM_SLIDE_INDEX" val="2"/>
+  <p:tag name="KSO_WM_SLIDE_ITEM_CNT" val="1"/>
+  <p:tag name="KSO_WM_SLIDE_LAYOUT" val="a_f"/>
+  <p:tag name="KSO_WM_SLIDE_LAYOUT_CNT" val="1_1"/>
+  <p:tag name="KSO_WM_SLIDE_TYPE" val="text"/>
+  <p:tag name="KSO_WM_BEAUTIFY_FLAG" val="#wm#"/>
+  <p:tag name="KSO_WM_SLIDE_POSITION" val="109*173"/>
+  <p:tag name="KSO_WM_SLIDE_SIZE" val="618*244"/>
 </p:tagLst>
 </file>
 
@@ -26256,60 +25553,38 @@
   <p:tag name="KSO_WM_BEAUTIFY_FLAG" val="#wm#"/>
   <p:tag name="KSO_WM_TEMPLATE_CATEGORY" val="custom"/>
   <p:tag name="KSO_WM_TEMPLATE_INDEX" val="160336"/>
-  <p:tag name="KSO_WM_UNIT_TYPE" val="l_i"/>
-  <p:tag name="KSO_WM_UNIT_INDEX" val="1_2"/>
-  <p:tag name="KSO_WM_UNIT_ID" val="custom160336_11*l_i*1_2"/>
+  <p:tag name="KSO_WM_UNIT_TYPE" val="a"/>
+  <p:tag name="KSO_WM_UNIT_INDEX" val="1"/>
+  <p:tag name="KSO_WM_UNIT_ID" val="custom160336_2*a*1"/>
   <p:tag name="KSO_WM_UNIT_CLEAR" val="1"/>
-  <p:tag name="KSO_WM_UNIT_LAYERLEVEL" val="1_1"/>
-  <p:tag name="KSO_WM_DIAGRAM_GROUP_CODE" val="l1-1"/>
-  <p:tag name="KSO_WM_UNIT_FILL_FORE_SCHEMECOLOR_INDEX" val="6"/>
-  <p:tag name="KSO_WM_UNIT_FILL_TYPE" val="1"/>
-  <p:tag name="KSO_WM_UNIT_USESOURCEFORMAT_APPLY" val="1"/>
+  <p:tag name="KSO_WM_UNIT_LAYERLEVEL" val="1"/>
+  <p:tag name="KSO_WM_UNIT_VALUE" val="27"/>
+  <p:tag name="KSO_WM_UNIT_ISCONTENTSTITLE" val="0"/>
+  <p:tag name="KSO_WM_UNIT_HIGHLIGHT" val="0"/>
+  <p:tag name="KSO_WM_UNIT_COMPATIBLE" val="0"/>
+  <p:tag name="KSO_WM_UNIT_PRESET_TEXT_INDEX" val="3"/>
+  <p:tag name="KSO_WM_UNIT_PRESET_TEXT_LEN" val="17"/>
 </p:tagLst>
 </file>
 
 <file path=ppt/tags/tag22.xml><?xml version="1.0" encoding="utf-8"?>
 <p:tagLst xmlns:a="http://schemas.openxmlformats.org/drawingml/2006/main" xmlns:r="http://schemas.openxmlformats.org/officeDocument/2006/relationships" xmlns:p="http://schemas.openxmlformats.org/presentationml/2006/main">
-  <p:tag name="KSO_WM_TAG_VERSION" val="1.0"/>
-  <p:tag name="KSO_WM_BEAUTIFY_FLAG" val="#wm#"/>
   <p:tag name="KSO_WM_TEMPLATE_CATEGORY" val="custom"/>
   <p:tag name="KSO_WM_TEMPLATE_INDEX" val="160336"/>
-  <p:tag name="KSO_WM_UNIT_TYPE" val="l_i"/>
-  <p:tag name="KSO_WM_UNIT_INDEX" val="1_1"/>
-  <p:tag name="KSO_WM_UNIT_ID" val="custom160336_11*l_i*1_1"/>
-  <p:tag name="KSO_WM_UNIT_CLEAR" val="1"/>
-  <p:tag name="KSO_WM_UNIT_LAYERLEVEL" val="1_1"/>
-  <p:tag name="KSO_WM_DIAGRAM_GROUP_CODE" val="l1-1"/>
-  <p:tag name="KSO_WM_UNIT_FILL_FORE_SCHEMECOLOR_INDEX" val="5"/>
-  <p:tag name="KSO_WM_UNIT_FILL_TYPE" val="1"/>
-  <p:tag name="KSO_WM_UNIT_USESOURCEFORMAT_APPLY" val="1"/>
+  <p:tag name="KSO_WM_TAG_VERSION" val="1.0"/>
+  <p:tag name="KSO_WM_SLIDE_ID" val="custom160336_4"/>
+  <p:tag name="KSO_WM_SLIDE_INDEX" val="4"/>
+  <p:tag name="KSO_WM_SLIDE_ITEM_CNT" val="3"/>
+  <p:tag name="KSO_WM_SLIDE_LAYOUT" val="a_f_d"/>
+  <p:tag name="KSO_WM_SLIDE_LAYOUT_CNT" val="1_1_1"/>
+  <p:tag name="KSO_WM_SLIDE_TYPE" val="text"/>
+  <p:tag name="KSO_WM_BEAUTIFY_FLAG" val="#wm#"/>
+  <p:tag name="KSO_WM_SLIDE_POSITION" val="56*57"/>
+  <p:tag name="KSO_WM_SLIDE_SIZE" val="840*426"/>
 </p:tagLst>
 </file>
 
 <file path=ppt/tags/tag23.xml><?xml version="1.0" encoding="utf-8"?>
-<p:tagLst xmlns:a="http://schemas.openxmlformats.org/drawingml/2006/main" xmlns:r="http://schemas.openxmlformats.org/officeDocument/2006/relationships" xmlns:p="http://schemas.openxmlformats.org/presentationml/2006/main">
-  <p:tag name="KSO_WM_TAG_VERSION" val="1.0"/>
-  <p:tag name="KSO_WM_BEAUTIFY_FLAG" val="#wm#"/>
-  <p:tag name="KSO_WM_TEMPLATE_CATEGORY" val="custom"/>
-  <p:tag name="KSO_WM_TEMPLATE_INDEX" val="160336"/>
-  <p:tag name="KSO_WM_UNIT_TYPE" val="l_h_f"/>
-  <p:tag name="KSO_WM_UNIT_INDEX" val="1_1_1"/>
-  <p:tag name="KSO_WM_UNIT_ID" val="custom160336_11*l_h_f*1_1_1"/>
-  <p:tag name="KSO_WM_UNIT_CLEAR" val="1"/>
-  <p:tag name="KSO_WM_UNIT_LAYERLEVEL" val="1_1_1"/>
-  <p:tag name="KSO_WM_UNIT_VALUE" val="15"/>
-  <p:tag name="KSO_WM_UNIT_HIGHLIGHT" val="0"/>
-  <p:tag name="KSO_WM_UNIT_COMPATIBLE" val="0"/>
-  <p:tag name="KSO_WM_UNIT_PRESET_TEXT_INDEX" val="4"/>
-  <p:tag name="KSO_WM_UNIT_PRESET_TEXT_LEN" val="26"/>
-  <p:tag name="KSO_WM_DIAGRAM_GROUP_CODE" val="l1-1"/>
-  <p:tag name="KSO_WM_UNIT_TEXT_FILL_FORE_SCHEMECOLOR_INDEX" val="13"/>
-  <p:tag name="KSO_WM_UNIT_TEXT_FILL_TYPE" val="1"/>
-  <p:tag name="KSO_WM_UNIT_USESOURCEFORMAT_APPLY" val="1"/>
-</p:tagLst>
-</file>
-
-<file path=ppt/tags/tag24.xml><?xml version="1.0" encoding="utf-8"?>
 <p:tagLst xmlns:a="http://schemas.openxmlformats.org/drawingml/2006/main" xmlns:r="http://schemas.openxmlformats.org/officeDocument/2006/relationships" xmlns:p="http://schemas.openxmlformats.org/presentationml/2006/main">
   <p:tag name="KSO_WM_TEMPLATE_CATEGORY" val="custom"/>
   <p:tag name="KSO_WM_TEMPLATE_INDEX" val="160336"/>
@@ -26325,7 +25600,7 @@
 </p:tagLst>
 </file>
 
-<file path=ppt/tags/tag25.xml><?xml version="1.0" encoding="utf-8"?>
+<file path=ppt/tags/tag24.xml><?xml version="1.0" encoding="utf-8"?>
 <p:tagLst xmlns:a="http://schemas.openxmlformats.org/drawingml/2006/main" xmlns:r="http://schemas.openxmlformats.org/officeDocument/2006/relationships" xmlns:p="http://schemas.openxmlformats.org/presentationml/2006/main">
   <p:tag name="KSO_WM_TAG_VERSION" val="1.0"/>
   <p:tag name="KSO_WM_BEAUTIFY_FLAG" val="#wm#"/>
@@ -26337,7 +25612,7 @@
 </p:tagLst>
 </file>
 
-<file path=ppt/tags/tag26.xml><?xml version="1.0" encoding="utf-8"?>
+<file path=ppt/tags/tag25.xml><?xml version="1.0" encoding="utf-8"?>
 <p:tagLst xmlns:a="http://schemas.openxmlformats.org/drawingml/2006/main" xmlns:r="http://schemas.openxmlformats.org/officeDocument/2006/relationships" xmlns:p="http://schemas.openxmlformats.org/presentationml/2006/main">
   <p:tag name="KSO_WM_TAG_VERSION" val="1.0"/>
   <p:tag name="KSO_WM_BEAUTIFY_FLAG" val="#wm#"/>
@@ -26355,7 +25630,7 @@
 </p:tagLst>
 </file>
 
-<file path=ppt/tags/tag27.xml><?xml version="1.0" encoding="utf-8"?>
+<file path=ppt/tags/tag26.xml><?xml version="1.0" encoding="utf-8"?>
 <p:tagLst xmlns:a="http://schemas.openxmlformats.org/drawingml/2006/main" xmlns:r="http://schemas.openxmlformats.org/officeDocument/2006/relationships" xmlns:p="http://schemas.openxmlformats.org/presentationml/2006/main">
   <p:tag name="KSO_WM_TAG_VERSION" val="1.0"/>
   <p:tag name="KSO_WM_BEAUTIFY_FLAG" val="#wm#"/>
@@ -26378,7 +25653,7 @@
 </p:tagLst>
 </file>
 
-<file path=ppt/tags/tag28.xml><?xml version="1.0" encoding="utf-8"?>
+<file path=ppt/tags/tag27.xml><?xml version="1.0" encoding="utf-8"?>
 <p:tagLst xmlns:a="http://schemas.openxmlformats.org/drawingml/2006/main" xmlns:r="http://schemas.openxmlformats.org/officeDocument/2006/relationships" xmlns:p="http://schemas.openxmlformats.org/presentationml/2006/main">
   <p:tag name="KSO_WM_TEMPLATE_CATEGORY" val="custom"/>
   <p:tag name="KSO_WM_TEMPLATE_INDEX" val="160336"/>
@@ -26395,7 +25670,7 @@
 </p:tagLst>
 </file>
 
-<file path=ppt/tags/tag29.xml><?xml version="1.0" encoding="utf-8"?>
+<file path=ppt/tags/tag28.xml><?xml version="1.0" encoding="utf-8"?>
 <p:tagLst xmlns:a="http://schemas.openxmlformats.org/drawingml/2006/main" xmlns:r="http://schemas.openxmlformats.org/officeDocument/2006/relationships" xmlns:p="http://schemas.openxmlformats.org/presentationml/2006/main">
   <p:tag name="KSO_WM_TAG_VERSION" val="1.0"/>
   <p:tag name="KSO_WM_BEAUTIFY_FLAG" val="#wm#"/>
@@ -26412,6 +25687,23 @@
   <p:tag name="KSO_WM_UNIT_COMPATIBLE" val="0"/>
   <p:tag name="KSO_WM_UNIT_PRESET_TEXT_INDEX" val="3"/>
   <p:tag name="KSO_WM_UNIT_PRESET_TEXT_LEN" val="17"/>
+</p:tagLst>
+</file>
+
+<file path=ppt/tags/tag29.xml><?xml version="1.0" encoding="utf-8"?>
+<p:tagLst xmlns:a="http://schemas.openxmlformats.org/drawingml/2006/main" xmlns:r="http://schemas.openxmlformats.org/officeDocument/2006/relationships" xmlns:p="http://schemas.openxmlformats.org/presentationml/2006/main">
+  <p:tag name="KSO_WM_TEMPLATE_CATEGORY" val="custom"/>
+  <p:tag name="KSO_WM_TEMPLATE_INDEX" val="160336"/>
+  <p:tag name="KSO_WM_TAG_VERSION" val="1.0"/>
+  <p:tag name="KSO_WM_SLIDE_ID" val="custom160336_2"/>
+  <p:tag name="KSO_WM_SLIDE_INDEX" val="2"/>
+  <p:tag name="KSO_WM_SLIDE_ITEM_CNT" val="1"/>
+  <p:tag name="KSO_WM_SLIDE_LAYOUT" val="a_f"/>
+  <p:tag name="KSO_WM_SLIDE_LAYOUT_CNT" val="1_1"/>
+  <p:tag name="KSO_WM_SLIDE_TYPE" val="text"/>
+  <p:tag name="KSO_WM_BEAUTIFY_FLAG" val="#wm#"/>
+  <p:tag name="KSO_WM_SLIDE_POSITION" val="109*173"/>
+  <p:tag name="KSO_WM_SLIDE_SIZE" val="618*244"/>
 </p:tagLst>
 </file>
 
@@ -26437,6 +25729,26 @@
 
 <file path=ppt/tags/tag30.xml><?xml version="1.0" encoding="utf-8"?>
 <p:tagLst xmlns:a="http://schemas.openxmlformats.org/drawingml/2006/main" xmlns:r="http://schemas.openxmlformats.org/officeDocument/2006/relationships" xmlns:p="http://schemas.openxmlformats.org/presentationml/2006/main">
+  <p:tag name="KSO_WM_TAG_VERSION" val="1.0"/>
+  <p:tag name="KSO_WM_BEAUTIFY_FLAG" val="#wm#"/>
+  <p:tag name="KSO_WM_TEMPLATE_CATEGORY" val="custom"/>
+  <p:tag name="KSO_WM_TEMPLATE_INDEX" val="160336"/>
+  <p:tag name="KSO_WM_UNIT_TYPE" val="a"/>
+  <p:tag name="KSO_WM_UNIT_INDEX" val="1"/>
+  <p:tag name="KSO_WM_UNIT_ID" val="custom160336_2*a*1"/>
+  <p:tag name="KSO_WM_UNIT_CLEAR" val="1"/>
+  <p:tag name="KSO_WM_UNIT_LAYERLEVEL" val="1"/>
+  <p:tag name="KSO_WM_UNIT_VALUE" val="27"/>
+  <p:tag name="KSO_WM_UNIT_ISCONTENTSTITLE" val="0"/>
+  <p:tag name="KSO_WM_UNIT_HIGHLIGHT" val="0"/>
+  <p:tag name="KSO_WM_UNIT_COMPATIBLE" val="0"/>
+  <p:tag name="KSO_WM_UNIT_PRESET_TEXT_INDEX" val="3"/>
+  <p:tag name="KSO_WM_UNIT_PRESET_TEXT_LEN" val="17"/>
+</p:tagLst>
+</file>
+
+<file path=ppt/tags/tag31.xml><?xml version="1.0" encoding="utf-8"?>
+<p:tagLst xmlns:a="http://schemas.openxmlformats.org/drawingml/2006/main" xmlns:r="http://schemas.openxmlformats.org/officeDocument/2006/relationships" xmlns:p="http://schemas.openxmlformats.org/presentationml/2006/main">
   <p:tag name="KSO_WM_TEMPLATE_CATEGORY" val="custom"/>
   <p:tag name="KSO_WM_TEMPLATE_INDEX" val="160336"/>
   <p:tag name="KSO_WM_TAG_VERSION" val="1.0"/>
@@ -26452,7 +25764,7 @@
 </p:tagLst>
 </file>
 
-<file path=ppt/tags/tag31.xml><?xml version="1.0" encoding="utf-8"?>
+<file path=ppt/tags/tag32.xml><?xml version="1.0" encoding="utf-8"?>
 <p:tagLst xmlns:a="http://schemas.openxmlformats.org/drawingml/2006/main" xmlns:r="http://schemas.openxmlformats.org/officeDocument/2006/relationships" xmlns:p="http://schemas.openxmlformats.org/presentationml/2006/main">
   <p:tag name="KSO_WM_TAG_VERSION" val="1.0"/>
   <p:tag name="KSO_WM_BEAUTIFY_FLAG" val="#wm#"/>
@@ -26472,24 +25784,139 @@
 </p:tagLst>
 </file>
 
-<file path=ppt/tags/tag32.xml><?xml version="1.0" encoding="utf-8"?>
+<file path=ppt/tags/tag33.xml><?xml version="1.0" encoding="utf-8"?>
 <p:tagLst xmlns:a="http://schemas.openxmlformats.org/drawingml/2006/main" xmlns:r="http://schemas.openxmlformats.org/officeDocument/2006/relationships" xmlns:p="http://schemas.openxmlformats.org/presentationml/2006/main">
   <p:tag name="KSO_WM_TEMPLATE_CATEGORY" val="custom"/>
   <p:tag name="KSO_WM_TEMPLATE_INDEX" val="160336"/>
   <p:tag name="KSO_WM_TAG_VERSION" val="1.0"/>
-  <p:tag name="KSO_WM_SLIDE_ID" val="custom160336_2"/>
-  <p:tag name="KSO_WM_SLIDE_INDEX" val="2"/>
-  <p:tag name="KSO_WM_SLIDE_ITEM_CNT" val="1"/>
-  <p:tag name="KSO_WM_SLIDE_LAYOUT" val="a_f"/>
-  <p:tag name="KSO_WM_SLIDE_LAYOUT_CNT" val="1_1"/>
+  <p:tag name="KSO_WM_SLIDE_ID" val="custom160336_13"/>
+  <p:tag name="KSO_WM_SLIDE_INDEX" val="13"/>
+  <p:tag name="KSO_WM_SLIDE_ITEM_CNT" val="2"/>
+  <p:tag name="KSO_WM_SLIDE_LAYOUT" val="a_l_f"/>
+  <p:tag name="KSO_WM_SLIDE_LAYOUT_CNT" val="1_1_1"/>
   <p:tag name="KSO_WM_SLIDE_TYPE" val="text"/>
   <p:tag name="KSO_WM_BEAUTIFY_FLAG" val="#wm#"/>
-  <p:tag name="KSO_WM_SLIDE_POSITION" val="109*173"/>
-  <p:tag name="KSO_WM_SLIDE_SIZE" val="618*244"/>
+  <p:tag name="KSO_WM_SLIDE_POSITION" val="101*174"/>
+  <p:tag name="KSO_WM_SLIDE_SIZE" val="660*244"/>
+  <p:tag name="KSO_WM_DIAGRAM_GROUP_CODE" val="l1-2"/>
 </p:tagLst>
 </file>
 
-<file path=ppt/tags/tag33.xml><?xml version="1.0" encoding="utf-8"?>
+<file path=ppt/tags/tag34.xml><?xml version="1.0" encoding="utf-8"?>
+<p:tagLst xmlns:a="http://schemas.openxmlformats.org/drawingml/2006/main" xmlns:r="http://schemas.openxmlformats.org/officeDocument/2006/relationships" xmlns:p="http://schemas.openxmlformats.org/presentationml/2006/main">
+  <p:tag name="KSO_WM_TAG_VERSION" val="1.0"/>
+  <p:tag name="KSO_WM_BEAUTIFY_FLAG" val="#wm#"/>
+  <p:tag name="KSO_WM_TEMPLATE_CATEGORY" val="custom"/>
+  <p:tag name="KSO_WM_TEMPLATE_INDEX" val="160336"/>
+  <p:tag name="KSO_WM_UNIT_TYPE" val="a"/>
+  <p:tag name="KSO_WM_UNIT_INDEX" val="1"/>
+  <p:tag name="KSO_WM_UNIT_ID" val="custom160336_13*a*1"/>
+  <p:tag name="KSO_WM_UNIT_CLEAR" val="1"/>
+  <p:tag name="KSO_WM_UNIT_LAYERLEVEL" val="1"/>
+  <p:tag name="KSO_WM_UNIT_VALUE" val="31"/>
+  <p:tag name="KSO_WM_UNIT_ISCONTENTSTITLE" val="0"/>
+  <p:tag name="KSO_WM_UNIT_HIGHLIGHT" val="0"/>
+  <p:tag name="KSO_WM_UNIT_COMPATIBLE" val="0"/>
+  <p:tag name="KSO_WM_UNIT_PRESET_TEXT_INDEX" val="3"/>
+  <p:tag name="KSO_WM_UNIT_PRESET_TEXT_LEN" val="17"/>
+</p:tagLst>
+</file>
+
+<file path=ppt/tags/tag35.xml><?xml version="1.0" encoding="utf-8"?>
+<p:tagLst xmlns:a="http://schemas.openxmlformats.org/drawingml/2006/main" xmlns:r="http://schemas.openxmlformats.org/officeDocument/2006/relationships" xmlns:p="http://schemas.openxmlformats.org/presentationml/2006/main">
+  <p:tag name="KSO_WM_TEMPLATE_CATEGORY" val="custom"/>
+  <p:tag name="KSO_WM_TEMPLATE_INDEX" val="160336"/>
+  <p:tag name="KSO_WM_TAG_VERSION" val="1.0"/>
+  <p:tag name="KSO_WM_SLIDE_ID" val="custom160336_13"/>
+  <p:tag name="KSO_WM_SLIDE_INDEX" val="13"/>
+  <p:tag name="KSO_WM_SLIDE_ITEM_CNT" val="2"/>
+  <p:tag name="KSO_WM_SLIDE_LAYOUT" val="a_l_f"/>
+  <p:tag name="KSO_WM_SLIDE_LAYOUT_CNT" val="1_1_1"/>
+  <p:tag name="KSO_WM_SLIDE_TYPE" val="text"/>
+  <p:tag name="KSO_WM_BEAUTIFY_FLAG" val="#wm#"/>
+  <p:tag name="KSO_WM_SLIDE_POSITION" val="101*174"/>
+  <p:tag name="KSO_WM_SLIDE_SIZE" val="660*244"/>
+  <p:tag name="KSO_WM_DIAGRAM_GROUP_CODE" val="l1-2"/>
+</p:tagLst>
+</file>
+
+<file path=ppt/tags/tag36.xml><?xml version="1.0" encoding="utf-8"?>
+<p:tagLst xmlns:a="http://schemas.openxmlformats.org/drawingml/2006/main" xmlns:r="http://schemas.openxmlformats.org/officeDocument/2006/relationships" xmlns:p="http://schemas.openxmlformats.org/presentationml/2006/main">
+  <p:tag name="KSO_WM_TAG_VERSION" val="1.0"/>
+  <p:tag name="KSO_WM_BEAUTIFY_FLAG" val="#wm#"/>
+  <p:tag name="KSO_WM_TEMPLATE_CATEGORY" val="custom"/>
+  <p:tag name="KSO_WM_TEMPLATE_INDEX" val="160336"/>
+  <p:tag name="KSO_WM_UNIT_TYPE" val="a"/>
+  <p:tag name="KSO_WM_UNIT_INDEX" val="1"/>
+  <p:tag name="KSO_WM_UNIT_ID" val="custom160336_13*a*1"/>
+  <p:tag name="KSO_WM_UNIT_CLEAR" val="1"/>
+  <p:tag name="KSO_WM_UNIT_LAYERLEVEL" val="1"/>
+  <p:tag name="KSO_WM_UNIT_VALUE" val="31"/>
+  <p:tag name="KSO_WM_UNIT_ISCONTENTSTITLE" val="0"/>
+  <p:tag name="KSO_WM_UNIT_HIGHLIGHT" val="0"/>
+  <p:tag name="KSO_WM_UNIT_COMPATIBLE" val="0"/>
+  <p:tag name="KSO_WM_UNIT_PRESET_TEXT_INDEX" val="3"/>
+  <p:tag name="KSO_WM_UNIT_PRESET_TEXT_LEN" val="17"/>
+</p:tagLst>
+</file>
+
+<file path=ppt/tags/tag37.xml><?xml version="1.0" encoding="utf-8"?>
+<p:tagLst xmlns:a="http://schemas.openxmlformats.org/drawingml/2006/main" xmlns:r="http://schemas.openxmlformats.org/officeDocument/2006/relationships" xmlns:p="http://schemas.openxmlformats.org/presentationml/2006/main">
+  <p:tag name="KSO_WM_TEMPLATE_CATEGORY" val="custom"/>
+  <p:tag name="KSO_WM_TEMPLATE_INDEX" val="160336"/>
+  <p:tag name="KSO_WM_TAG_VERSION" val="1.0"/>
+  <p:tag name="KSO_WM_SLIDE_ID" val="custom160336_13"/>
+  <p:tag name="KSO_WM_SLIDE_INDEX" val="13"/>
+  <p:tag name="KSO_WM_SLIDE_ITEM_CNT" val="2"/>
+  <p:tag name="KSO_WM_SLIDE_LAYOUT" val="a_l_f"/>
+  <p:tag name="KSO_WM_SLIDE_LAYOUT_CNT" val="1_1_1"/>
+  <p:tag name="KSO_WM_SLIDE_TYPE" val="text"/>
+  <p:tag name="KSO_WM_BEAUTIFY_FLAG" val="#wm#"/>
+  <p:tag name="KSO_WM_SLIDE_POSITION" val="101*174"/>
+  <p:tag name="KSO_WM_SLIDE_SIZE" val="660*244"/>
+  <p:tag name="KSO_WM_DIAGRAM_GROUP_CODE" val="l1-2"/>
+</p:tagLst>
+</file>
+
+<file path=ppt/tags/tag38.xml><?xml version="1.0" encoding="utf-8"?>
+<p:tagLst xmlns:a="http://schemas.openxmlformats.org/drawingml/2006/main" xmlns:r="http://schemas.openxmlformats.org/officeDocument/2006/relationships" xmlns:p="http://schemas.openxmlformats.org/presentationml/2006/main">
+  <p:tag name="KSO_WM_TAG_VERSION" val="1.0"/>
+  <p:tag name="KSO_WM_BEAUTIFY_FLAG" val="#wm#"/>
+  <p:tag name="KSO_WM_TEMPLATE_CATEGORY" val="custom"/>
+  <p:tag name="KSO_WM_TEMPLATE_INDEX" val="160336"/>
+  <p:tag name="KSO_WM_UNIT_TYPE" val="a"/>
+  <p:tag name="KSO_WM_UNIT_INDEX" val="1"/>
+  <p:tag name="KSO_WM_UNIT_ID" val="custom160336_13*a*1"/>
+  <p:tag name="KSO_WM_UNIT_CLEAR" val="1"/>
+  <p:tag name="KSO_WM_UNIT_LAYERLEVEL" val="1"/>
+  <p:tag name="KSO_WM_UNIT_VALUE" val="31"/>
+  <p:tag name="KSO_WM_UNIT_ISCONTENTSTITLE" val="0"/>
+  <p:tag name="KSO_WM_UNIT_HIGHLIGHT" val="0"/>
+  <p:tag name="KSO_WM_UNIT_COMPATIBLE" val="0"/>
+  <p:tag name="KSO_WM_UNIT_PRESET_TEXT_INDEX" val="3"/>
+  <p:tag name="KSO_WM_UNIT_PRESET_TEXT_LEN" val="17"/>
+</p:tagLst>
+</file>
+
+<file path=ppt/tags/tag39.xml><?xml version="1.0" encoding="utf-8"?>
+<p:tagLst xmlns:a="http://schemas.openxmlformats.org/drawingml/2006/main" xmlns:r="http://schemas.openxmlformats.org/officeDocument/2006/relationships" xmlns:p="http://schemas.openxmlformats.org/presentationml/2006/main">
+  <p:tag name="KSO_WM_TEMPLATE_CATEGORY" val="custom"/>
+  <p:tag name="KSO_WM_TEMPLATE_INDEX" val="160336"/>
+  <p:tag name="KSO_WM_TAG_VERSION" val="1.0"/>
+  <p:tag name="KSO_WM_SLIDE_ID" val="custom160336_13"/>
+  <p:tag name="KSO_WM_SLIDE_INDEX" val="13"/>
+  <p:tag name="KSO_WM_SLIDE_ITEM_CNT" val="2"/>
+  <p:tag name="KSO_WM_SLIDE_LAYOUT" val="a_l_f"/>
+  <p:tag name="KSO_WM_SLIDE_LAYOUT_CNT" val="1_1_1"/>
+  <p:tag name="KSO_WM_SLIDE_TYPE" val="text"/>
+  <p:tag name="KSO_WM_BEAUTIFY_FLAG" val="#wm#"/>
+  <p:tag name="KSO_WM_SLIDE_POSITION" val="101*174"/>
+  <p:tag name="KSO_WM_SLIDE_SIZE" val="660*244"/>
+  <p:tag name="KSO_WM_DIAGRAM_GROUP_CODE" val="l1-2"/>
+</p:tagLst>
+</file>
+
+<file path=ppt/tags/tag4.xml><?xml version="1.0" encoding="utf-8"?>
 <p:tagLst xmlns:a="http://schemas.openxmlformats.org/drawingml/2006/main" xmlns:r="http://schemas.openxmlformats.org/officeDocument/2006/relationships" xmlns:p="http://schemas.openxmlformats.org/presentationml/2006/main">
   <p:tag name="KSO_WM_TAG_VERSION" val="1.0"/>
   <p:tag name="KSO_WM_BEAUTIFY_FLAG" val="#wm#"/>
@@ -26509,239 +25936,7 @@
 </p:tagLst>
 </file>
 
-<file path=ppt/tags/tag34.xml><?xml version="1.0" encoding="utf-8"?>
-<p:tagLst xmlns:a="http://schemas.openxmlformats.org/drawingml/2006/main" xmlns:r="http://schemas.openxmlformats.org/officeDocument/2006/relationships" xmlns:p="http://schemas.openxmlformats.org/presentationml/2006/main">
-  <p:tag name="KSO_WM_TEMPLATE_CATEGORY" val="custom"/>
-  <p:tag name="KSO_WM_TEMPLATE_INDEX" val="160336"/>
-  <p:tag name="KSO_WM_TAG_VERSION" val="1.0"/>
-  <p:tag name="KSO_WM_SLIDE_ID" val="custom160336_4"/>
-  <p:tag name="KSO_WM_SLIDE_INDEX" val="4"/>
-  <p:tag name="KSO_WM_SLIDE_ITEM_CNT" val="3"/>
-  <p:tag name="KSO_WM_SLIDE_LAYOUT" val="a_f_d"/>
-  <p:tag name="KSO_WM_SLIDE_LAYOUT_CNT" val="1_1_1"/>
-  <p:tag name="KSO_WM_SLIDE_TYPE" val="text"/>
-  <p:tag name="KSO_WM_BEAUTIFY_FLAG" val="#wm#"/>
-  <p:tag name="KSO_WM_SLIDE_POSITION" val="56*57"/>
-  <p:tag name="KSO_WM_SLIDE_SIZE" val="840*426"/>
-</p:tagLst>
-</file>
-
-<file path=ppt/tags/tag35.xml><?xml version="1.0" encoding="utf-8"?>
-<p:tagLst xmlns:a="http://schemas.openxmlformats.org/drawingml/2006/main" xmlns:r="http://schemas.openxmlformats.org/officeDocument/2006/relationships" xmlns:p="http://schemas.openxmlformats.org/presentationml/2006/main">
-  <p:tag name="KSO_WM_TEMPLATE_CATEGORY" val="custom"/>
-  <p:tag name="KSO_WM_TEMPLATE_INDEX" val="160336"/>
-  <p:tag name="KSO_WM_TAG_VERSION" val="1.0"/>
-  <p:tag name="KSO_WM_SLIDE_ID" val="custom160336_6"/>
-  <p:tag name="KSO_WM_SLIDE_INDEX" val="6"/>
-  <p:tag name="KSO_WM_SLIDE_ITEM_CNT" val="1"/>
-  <p:tag name="KSO_WM_SLIDE_LAYOUT" val="a_l"/>
-  <p:tag name="KSO_WM_SLIDE_LAYOUT_CNT" val="1_1"/>
-  <p:tag name="KSO_WM_SLIDE_TYPE" val="contents"/>
-  <p:tag name="KSO_WM_BEAUTIFY_FLAG" val="#wm#"/>
-  <p:tag name="KSO_WM_DIAGRAM_GROUP_CODE" val="l1-1"/>
-</p:tagLst>
-</file>
-
-<file path=ppt/tags/tag36.xml><?xml version="1.0" encoding="utf-8"?>
-<p:tagLst xmlns:a="http://schemas.openxmlformats.org/drawingml/2006/main" xmlns:r="http://schemas.openxmlformats.org/officeDocument/2006/relationships" xmlns:p="http://schemas.openxmlformats.org/presentationml/2006/main">
-  <p:tag name="KSO_WM_TAG_VERSION" val="1.0"/>
-  <p:tag name="KSO_WM_BEAUTIFY_FLAG" val="#wm#"/>
-  <p:tag name="KSO_WM_UNIT_TYPE" val="i"/>
-  <p:tag name="KSO_WM_UNIT_ID" val="custom160336_6*i*0"/>
-  <p:tag name="KSO_WM_TEMPLATE_CATEGORY" val="custom"/>
-  <p:tag name="KSO_WM_TEMPLATE_INDEX" val="160336"/>
-  <p:tag name="KSO_WM_UNIT_INDEX" val="0"/>
-</p:tagLst>
-</file>
-
-<file path=ppt/tags/tag37.xml><?xml version="1.0" encoding="utf-8"?>
-<p:tagLst xmlns:a="http://schemas.openxmlformats.org/drawingml/2006/main" xmlns:r="http://schemas.openxmlformats.org/officeDocument/2006/relationships" xmlns:p="http://schemas.openxmlformats.org/presentationml/2006/main">
-  <p:tag name="KSO_WM_TAG_VERSION" val="1.0"/>
-  <p:tag name="KSO_WM_BEAUTIFY_FLAG" val="#wm#"/>
-  <p:tag name="KSO_WM_TEMPLATE_CATEGORY" val="custom"/>
-  <p:tag name="KSO_WM_TEMPLATE_INDEX" val="160336"/>
-  <p:tag name="KSO_WM_UNIT_TYPE" val="l_i"/>
-  <p:tag name="KSO_WM_UNIT_INDEX" val="1_1"/>
-  <p:tag name="KSO_WM_UNIT_ID" val="custom160336_6*l_i*1_1"/>
-  <p:tag name="KSO_WM_UNIT_CLEAR" val="1"/>
-  <p:tag name="KSO_WM_UNIT_LAYERLEVEL" val="1_1"/>
-  <p:tag name="KSO_WM_DIAGRAM_GROUP_CODE" val="l1-1"/>
-  <p:tag name="KSO_WM_UNIT_FILL_FORE_SCHEMECOLOR_INDEX" val="5"/>
-  <p:tag name="KSO_WM_UNIT_FILL_TYPE" val="1"/>
-  <p:tag name="KSO_WM_UNIT_USESOURCEFORMAT_APPLY" val="1"/>
-</p:tagLst>
-</file>
-
-<file path=ppt/tags/tag38.xml><?xml version="1.0" encoding="utf-8"?>
-<p:tagLst xmlns:a="http://schemas.openxmlformats.org/drawingml/2006/main" xmlns:r="http://schemas.openxmlformats.org/officeDocument/2006/relationships" xmlns:p="http://schemas.openxmlformats.org/presentationml/2006/main">
-  <p:tag name="KSO_WM_TAG_VERSION" val="1.0"/>
-  <p:tag name="KSO_WM_BEAUTIFY_FLAG" val="#wm#"/>
-  <p:tag name="KSO_WM_TEMPLATE_CATEGORY" val="custom"/>
-  <p:tag name="KSO_WM_TEMPLATE_INDEX" val="160336"/>
-  <p:tag name="KSO_WM_UNIT_TYPE" val="l_h_f"/>
-  <p:tag name="KSO_WM_UNIT_INDEX" val="1_1_1"/>
-  <p:tag name="KSO_WM_UNIT_ID" val="custom160336_6*l_h_f*1_1_1"/>
-  <p:tag name="KSO_WM_UNIT_CLEAR" val="1"/>
-  <p:tag name="KSO_WM_UNIT_LAYERLEVEL" val="1_1_1"/>
-  <p:tag name="KSO_WM_UNIT_VALUE" val="32"/>
-  <p:tag name="KSO_WM_UNIT_HIGHLIGHT" val="0"/>
-  <p:tag name="KSO_WM_UNIT_COMPATIBLE" val="0"/>
-  <p:tag name="KSO_WM_UNIT_PRESET_TEXT_INDEX" val="4"/>
-  <p:tag name="KSO_WM_UNIT_PRESET_TEXT_LEN" val="26"/>
-  <p:tag name="KSO_WM_DIAGRAM_GROUP_CODE" val="l1-1"/>
-  <p:tag name="KSO_WM_UNIT_TEXT_FILL_FORE_SCHEMECOLOR_INDEX" val="13"/>
-  <p:tag name="KSO_WM_UNIT_TEXT_FILL_TYPE" val="1"/>
-  <p:tag name="KSO_WM_UNIT_USESOURCEFORMAT_APPLY" val="1"/>
-</p:tagLst>
-</file>
-
-<file path=ppt/tags/tag39.xml><?xml version="1.0" encoding="utf-8"?>
-<p:tagLst xmlns:a="http://schemas.openxmlformats.org/drawingml/2006/main" xmlns:r="http://schemas.openxmlformats.org/officeDocument/2006/relationships" xmlns:p="http://schemas.openxmlformats.org/presentationml/2006/main">
-  <p:tag name="KSO_WM_TEMPLATE_CATEGORY" val="custom"/>
-  <p:tag name="KSO_WM_TEMPLATE_INDEX" val="160336"/>
-  <p:tag name="KSO_WM_TAG_VERSION" val="1.0"/>
-  <p:tag name="KSO_WM_SLIDE_ID" val="custom160336_2"/>
-  <p:tag name="KSO_WM_SLIDE_INDEX" val="2"/>
-  <p:tag name="KSO_WM_SLIDE_ITEM_CNT" val="1"/>
-  <p:tag name="KSO_WM_SLIDE_LAYOUT" val="a_f"/>
-  <p:tag name="KSO_WM_SLIDE_LAYOUT_CNT" val="1_1"/>
-  <p:tag name="KSO_WM_SLIDE_TYPE" val="text"/>
-  <p:tag name="KSO_WM_BEAUTIFY_FLAG" val="#wm#"/>
-  <p:tag name="KSO_WM_SLIDE_POSITION" val="109*173"/>
-  <p:tag name="KSO_WM_SLIDE_SIZE" val="618*244"/>
-</p:tagLst>
-</file>
-
-<file path=ppt/tags/tag4.xml><?xml version="1.0" encoding="utf-8"?>
-<p:tagLst xmlns:a="http://schemas.openxmlformats.org/drawingml/2006/main" xmlns:r="http://schemas.openxmlformats.org/officeDocument/2006/relationships" xmlns:p="http://schemas.openxmlformats.org/presentationml/2006/main">
-  <p:tag name="KSO_WM_TEMPLATE_CATEGORY" val="custom"/>
-  <p:tag name="KSO_WM_TEMPLATE_INDEX" val="160336"/>
-  <p:tag name="KSO_WM_TAG_VERSION" val="1.0"/>
-  <p:tag name="KSO_WM_SLIDE_ID" val="custom160336_28"/>
-  <p:tag name="KSO_WM_SLIDE_INDEX" val="28"/>
-  <p:tag name="KSO_WM_SLIDE_ITEM_CNT" val="2"/>
-  <p:tag name="KSO_WM_SLIDE_LAYOUT" val="a_f"/>
-  <p:tag name="KSO_WM_SLIDE_LAYOUT_CNT" val="1_2"/>
-  <p:tag name="KSO_WM_SLIDE_TYPE" val="text"/>
-  <p:tag name="KSO_WM_BEAUTIFY_FLAG" val="#wm#"/>
-  <p:tag name="KSO_WM_SLIDE_POSITION" val="94*166"/>
-  <p:tag name="KSO_WM_SLIDE_SIZE" val="677*244"/>
-</p:tagLst>
-</file>
-
 <file path=ppt/tags/tag40.xml><?xml version="1.0" encoding="utf-8"?>
-<p:tagLst xmlns:a="http://schemas.openxmlformats.org/drawingml/2006/main" xmlns:r="http://schemas.openxmlformats.org/officeDocument/2006/relationships" xmlns:p="http://schemas.openxmlformats.org/presentationml/2006/main">
-  <p:tag name="KSO_WM_TAG_VERSION" val="1.0"/>
-  <p:tag name="KSO_WM_BEAUTIFY_FLAG" val="#wm#"/>
-  <p:tag name="KSO_WM_TEMPLATE_CATEGORY" val="custom"/>
-  <p:tag name="KSO_WM_TEMPLATE_INDEX" val="160336"/>
-  <p:tag name="KSO_WM_UNIT_TYPE" val="a"/>
-  <p:tag name="KSO_WM_UNIT_INDEX" val="1"/>
-  <p:tag name="KSO_WM_UNIT_ID" val="custom160336_2*a*1"/>
-  <p:tag name="KSO_WM_UNIT_CLEAR" val="1"/>
-  <p:tag name="KSO_WM_UNIT_LAYERLEVEL" val="1"/>
-  <p:tag name="KSO_WM_UNIT_VALUE" val="27"/>
-  <p:tag name="KSO_WM_UNIT_ISCONTENTSTITLE" val="0"/>
-  <p:tag name="KSO_WM_UNIT_HIGHLIGHT" val="0"/>
-  <p:tag name="KSO_WM_UNIT_COMPATIBLE" val="0"/>
-  <p:tag name="KSO_WM_UNIT_PRESET_TEXT_INDEX" val="3"/>
-  <p:tag name="KSO_WM_UNIT_PRESET_TEXT_LEN" val="17"/>
-</p:tagLst>
-</file>
-
-<file path=ppt/tags/tag41.xml><?xml version="1.0" encoding="utf-8"?>
-<p:tagLst xmlns:a="http://schemas.openxmlformats.org/drawingml/2006/main" xmlns:r="http://schemas.openxmlformats.org/officeDocument/2006/relationships" xmlns:p="http://schemas.openxmlformats.org/presentationml/2006/main">
-  <p:tag name="KSO_WM_TEMPLATE_CATEGORY" val="custom"/>
-  <p:tag name="KSO_WM_TEMPLATE_INDEX" val="160336"/>
-  <p:tag name="KSO_WM_TAG_VERSION" val="1.0"/>
-  <p:tag name="KSO_WM_SLIDE_ID" val="custom160336_2"/>
-  <p:tag name="KSO_WM_SLIDE_INDEX" val="2"/>
-  <p:tag name="KSO_WM_SLIDE_ITEM_CNT" val="1"/>
-  <p:tag name="KSO_WM_SLIDE_LAYOUT" val="a_f"/>
-  <p:tag name="KSO_WM_SLIDE_LAYOUT_CNT" val="1_1"/>
-  <p:tag name="KSO_WM_SLIDE_TYPE" val="text"/>
-  <p:tag name="KSO_WM_BEAUTIFY_FLAG" val="#wm#"/>
-  <p:tag name="KSO_WM_SLIDE_POSITION" val="109*173"/>
-  <p:tag name="KSO_WM_SLIDE_SIZE" val="618*244"/>
-</p:tagLst>
-</file>
-
-<file path=ppt/tags/tag42.xml><?xml version="1.0" encoding="utf-8"?>
-<p:tagLst xmlns:a="http://schemas.openxmlformats.org/drawingml/2006/main" xmlns:r="http://schemas.openxmlformats.org/officeDocument/2006/relationships" xmlns:p="http://schemas.openxmlformats.org/presentationml/2006/main">
-  <p:tag name="KSO_WM_TAG_VERSION" val="1.0"/>
-  <p:tag name="KSO_WM_BEAUTIFY_FLAG" val="#wm#"/>
-  <p:tag name="KSO_WM_TEMPLATE_CATEGORY" val="custom"/>
-  <p:tag name="KSO_WM_TEMPLATE_INDEX" val="160336"/>
-  <p:tag name="KSO_WM_UNIT_TYPE" val="a"/>
-  <p:tag name="KSO_WM_UNIT_INDEX" val="1"/>
-  <p:tag name="KSO_WM_UNIT_ID" val="custom160336_2*a*1"/>
-  <p:tag name="KSO_WM_UNIT_CLEAR" val="1"/>
-  <p:tag name="KSO_WM_UNIT_LAYERLEVEL" val="1"/>
-  <p:tag name="KSO_WM_UNIT_VALUE" val="27"/>
-  <p:tag name="KSO_WM_UNIT_ISCONTENTSTITLE" val="0"/>
-  <p:tag name="KSO_WM_UNIT_HIGHLIGHT" val="0"/>
-  <p:tag name="KSO_WM_UNIT_COMPATIBLE" val="0"/>
-  <p:tag name="KSO_WM_UNIT_PRESET_TEXT_INDEX" val="3"/>
-  <p:tag name="KSO_WM_UNIT_PRESET_TEXT_LEN" val="17"/>
-</p:tagLst>
-</file>
-
-<file path=ppt/tags/tag43.xml><?xml version="1.0" encoding="utf-8"?>
-<p:tagLst xmlns:a="http://schemas.openxmlformats.org/drawingml/2006/main" xmlns:r="http://schemas.openxmlformats.org/officeDocument/2006/relationships" xmlns:p="http://schemas.openxmlformats.org/presentationml/2006/main">
-  <p:tag name="KSO_WM_TEMPLATE_CATEGORY" val="custom"/>
-  <p:tag name="KSO_WM_TEMPLATE_INDEX" val="160336"/>
-  <p:tag name="KSO_WM_TAG_VERSION" val="1.0"/>
-  <p:tag name="KSO_WM_SLIDE_ID" val="custom160336_2"/>
-  <p:tag name="KSO_WM_SLIDE_INDEX" val="2"/>
-  <p:tag name="KSO_WM_SLIDE_ITEM_CNT" val="1"/>
-  <p:tag name="KSO_WM_SLIDE_LAYOUT" val="a_f"/>
-  <p:tag name="KSO_WM_SLIDE_LAYOUT_CNT" val="1_1"/>
-  <p:tag name="KSO_WM_SLIDE_TYPE" val="text"/>
-  <p:tag name="KSO_WM_BEAUTIFY_FLAG" val="#wm#"/>
-  <p:tag name="KSO_WM_SLIDE_POSITION" val="109*173"/>
-  <p:tag name="KSO_WM_SLIDE_SIZE" val="618*244"/>
-</p:tagLst>
-</file>
-
-<file path=ppt/tags/tag44.xml><?xml version="1.0" encoding="utf-8"?>
-<p:tagLst xmlns:a="http://schemas.openxmlformats.org/drawingml/2006/main" xmlns:r="http://schemas.openxmlformats.org/officeDocument/2006/relationships" xmlns:p="http://schemas.openxmlformats.org/presentationml/2006/main">
-  <p:tag name="KSO_WM_TAG_VERSION" val="1.0"/>
-  <p:tag name="KSO_WM_BEAUTIFY_FLAG" val="#wm#"/>
-  <p:tag name="KSO_WM_TEMPLATE_CATEGORY" val="custom"/>
-  <p:tag name="KSO_WM_TEMPLATE_INDEX" val="160336"/>
-  <p:tag name="KSO_WM_UNIT_TYPE" val="a"/>
-  <p:tag name="KSO_WM_UNIT_INDEX" val="1"/>
-  <p:tag name="KSO_WM_UNIT_ID" val="custom160336_2*a*1"/>
-  <p:tag name="KSO_WM_UNIT_CLEAR" val="1"/>
-  <p:tag name="KSO_WM_UNIT_LAYERLEVEL" val="1"/>
-  <p:tag name="KSO_WM_UNIT_VALUE" val="27"/>
-  <p:tag name="KSO_WM_UNIT_ISCONTENTSTITLE" val="0"/>
-  <p:tag name="KSO_WM_UNIT_HIGHLIGHT" val="0"/>
-  <p:tag name="KSO_WM_UNIT_COMPATIBLE" val="0"/>
-  <p:tag name="KSO_WM_UNIT_PRESET_TEXT_INDEX" val="3"/>
-  <p:tag name="KSO_WM_UNIT_PRESET_TEXT_LEN" val="17"/>
-</p:tagLst>
-</file>
-
-<file path=ppt/tags/tag45.xml><?xml version="1.0" encoding="utf-8"?>
-<p:tagLst xmlns:a="http://schemas.openxmlformats.org/drawingml/2006/main" xmlns:r="http://schemas.openxmlformats.org/officeDocument/2006/relationships" xmlns:p="http://schemas.openxmlformats.org/presentationml/2006/main">
-  <p:tag name="KSO_WM_TEMPLATE_CATEGORY" val="custom"/>
-  <p:tag name="KSO_WM_TEMPLATE_INDEX" val="160336"/>
-  <p:tag name="KSO_WM_TAG_VERSION" val="1.0"/>
-  <p:tag name="KSO_WM_SLIDE_ID" val="custom160336_13"/>
-  <p:tag name="KSO_WM_SLIDE_INDEX" val="13"/>
-  <p:tag name="KSO_WM_SLIDE_ITEM_CNT" val="2"/>
-  <p:tag name="KSO_WM_SLIDE_LAYOUT" val="a_l_f"/>
-  <p:tag name="KSO_WM_SLIDE_LAYOUT_CNT" val="1_1_1"/>
-  <p:tag name="KSO_WM_SLIDE_TYPE" val="text"/>
-  <p:tag name="KSO_WM_BEAUTIFY_FLAG" val="#wm#"/>
-  <p:tag name="KSO_WM_SLIDE_POSITION" val="101*174"/>
-  <p:tag name="KSO_WM_SLIDE_SIZE" val="660*244"/>
-  <p:tag name="KSO_WM_DIAGRAM_GROUP_CODE" val="l1-2"/>
-</p:tagLst>
-</file>
-
-<file path=ppt/tags/tag46.xml><?xml version="1.0" encoding="utf-8"?>
 <p:tagLst xmlns:a="http://schemas.openxmlformats.org/drawingml/2006/main" xmlns:r="http://schemas.openxmlformats.org/officeDocument/2006/relationships" xmlns:p="http://schemas.openxmlformats.org/presentationml/2006/main">
   <p:tag name="KSO_WM_TAG_VERSION" val="1.0"/>
   <p:tag name="KSO_WM_BEAUTIFY_FLAG" val="#wm#"/>
@@ -26761,7 +25956,7 @@
 </p:tagLst>
 </file>
 
-<file path=ppt/tags/tag47.xml><?xml version="1.0" encoding="utf-8"?>
+<file path=ppt/tags/tag41.xml><?xml version="1.0" encoding="utf-8"?>
 <p:tagLst xmlns:a="http://schemas.openxmlformats.org/drawingml/2006/main" xmlns:r="http://schemas.openxmlformats.org/officeDocument/2006/relationships" xmlns:p="http://schemas.openxmlformats.org/presentationml/2006/main">
   <p:tag name="KSO_WM_TEMPLATE_CATEGORY" val="custom"/>
   <p:tag name="KSO_WM_TEMPLATE_INDEX" val="160336"/>
@@ -26779,7 +25974,7 @@
 </p:tagLst>
 </file>
 
-<file path=ppt/tags/tag48.xml><?xml version="1.0" encoding="utf-8"?>
+<file path=ppt/tags/tag42.xml><?xml version="1.0" encoding="utf-8"?>
 <p:tagLst xmlns:a="http://schemas.openxmlformats.org/drawingml/2006/main" xmlns:r="http://schemas.openxmlformats.org/officeDocument/2006/relationships" xmlns:p="http://schemas.openxmlformats.org/presentationml/2006/main">
   <p:tag name="KSO_WM_TAG_VERSION" val="1.0"/>
   <p:tag name="KSO_WM_BEAUTIFY_FLAG" val="#wm#"/>
@@ -26799,7 +25994,7 @@
 </p:tagLst>
 </file>
 
-<file path=ppt/tags/tag49.xml><?xml version="1.0" encoding="utf-8"?>
+<file path=ppt/tags/tag43.xml><?xml version="1.0" encoding="utf-8"?>
 <p:tagLst xmlns:a="http://schemas.openxmlformats.org/drawingml/2006/main" xmlns:r="http://schemas.openxmlformats.org/officeDocument/2006/relationships" xmlns:p="http://schemas.openxmlformats.org/presentationml/2006/main">
   <p:tag name="KSO_WM_TEMPLATE_CATEGORY" val="custom"/>
   <p:tag name="KSO_WM_TEMPLATE_INDEX" val="160336"/>
@@ -26817,19 +26012,7 @@
 </p:tagLst>
 </file>
 
-<file path=ppt/tags/tag5.xml><?xml version="1.0" encoding="utf-8"?>
-<p:tagLst xmlns:a="http://schemas.openxmlformats.org/drawingml/2006/main" xmlns:r="http://schemas.openxmlformats.org/officeDocument/2006/relationships" xmlns:p="http://schemas.openxmlformats.org/presentationml/2006/main">
-  <p:tag name="KSO_WM_TAG_VERSION" val="1.0"/>
-  <p:tag name="KSO_WM_BEAUTIFY_FLAG" val="#wm#"/>
-  <p:tag name="KSO_WM_UNIT_TYPE" val="i"/>
-  <p:tag name="KSO_WM_UNIT_ID" val="custom160336_28*i*0"/>
-  <p:tag name="KSO_WM_TEMPLATE_CATEGORY" val="custom"/>
-  <p:tag name="KSO_WM_TEMPLATE_INDEX" val="160336"/>
-  <p:tag name="KSO_WM_UNIT_INDEX" val="0"/>
-</p:tagLst>
-</file>
-
-<file path=ppt/tags/tag50.xml><?xml version="1.0" encoding="utf-8"?>
+<file path=ppt/tags/tag44.xml><?xml version="1.0" encoding="utf-8"?>
 <p:tagLst xmlns:a="http://schemas.openxmlformats.org/drawingml/2006/main" xmlns:r="http://schemas.openxmlformats.org/officeDocument/2006/relationships" xmlns:p="http://schemas.openxmlformats.org/presentationml/2006/main">
   <p:tag name="KSO_WM_TAG_VERSION" val="1.0"/>
   <p:tag name="KSO_WM_BEAUTIFY_FLAG" val="#wm#"/>
@@ -26849,121 +26032,7 @@
 </p:tagLst>
 </file>
 
-<file path=ppt/tags/tag51.xml><?xml version="1.0" encoding="utf-8"?>
-<p:tagLst xmlns:a="http://schemas.openxmlformats.org/drawingml/2006/main" xmlns:r="http://schemas.openxmlformats.org/officeDocument/2006/relationships" xmlns:p="http://schemas.openxmlformats.org/presentationml/2006/main">
-  <p:tag name="KSO_WM_TEMPLATE_CATEGORY" val="custom"/>
-  <p:tag name="KSO_WM_TEMPLATE_INDEX" val="160336"/>
-  <p:tag name="KSO_WM_TAG_VERSION" val="1.0"/>
-  <p:tag name="KSO_WM_SLIDE_ID" val="custom160336_13"/>
-  <p:tag name="KSO_WM_SLIDE_INDEX" val="13"/>
-  <p:tag name="KSO_WM_SLIDE_ITEM_CNT" val="2"/>
-  <p:tag name="KSO_WM_SLIDE_LAYOUT" val="a_l_f"/>
-  <p:tag name="KSO_WM_SLIDE_LAYOUT_CNT" val="1_1_1"/>
-  <p:tag name="KSO_WM_SLIDE_TYPE" val="text"/>
-  <p:tag name="KSO_WM_BEAUTIFY_FLAG" val="#wm#"/>
-  <p:tag name="KSO_WM_SLIDE_POSITION" val="101*174"/>
-  <p:tag name="KSO_WM_SLIDE_SIZE" val="660*244"/>
-  <p:tag name="KSO_WM_DIAGRAM_GROUP_CODE" val="l1-2"/>
-</p:tagLst>
-</file>
-
-<file path=ppt/tags/tag52.xml><?xml version="1.0" encoding="utf-8"?>
-<p:tagLst xmlns:a="http://schemas.openxmlformats.org/drawingml/2006/main" xmlns:r="http://schemas.openxmlformats.org/officeDocument/2006/relationships" xmlns:p="http://schemas.openxmlformats.org/presentationml/2006/main">
-  <p:tag name="KSO_WM_TAG_VERSION" val="1.0"/>
-  <p:tag name="KSO_WM_BEAUTIFY_FLAG" val="#wm#"/>
-  <p:tag name="KSO_WM_TEMPLATE_CATEGORY" val="custom"/>
-  <p:tag name="KSO_WM_TEMPLATE_INDEX" val="160336"/>
-  <p:tag name="KSO_WM_UNIT_TYPE" val="a"/>
-  <p:tag name="KSO_WM_UNIT_INDEX" val="1"/>
-  <p:tag name="KSO_WM_UNIT_ID" val="custom160336_13*a*1"/>
-  <p:tag name="KSO_WM_UNIT_CLEAR" val="1"/>
-  <p:tag name="KSO_WM_UNIT_LAYERLEVEL" val="1"/>
-  <p:tag name="KSO_WM_UNIT_VALUE" val="31"/>
-  <p:tag name="KSO_WM_UNIT_ISCONTENTSTITLE" val="0"/>
-  <p:tag name="KSO_WM_UNIT_HIGHLIGHT" val="0"/>
-  <p:tag name="KSO_WM_UNIT_COMPATIBLE" val="0"/>
-  <p:tag name="KSO_WM_UNIT_PRESET_TEXT_INDEX" val="3"/>
-  <p:tag name="KSO_WM_UNIT_PRESET_TEXT_LEN" val="17"/>
-</p:tagLst>
-</file>
-
-<file path=ppt/tags/tag53.xml><?xml version="1.0" encoding="utf-8"?>
-<p:tagLst xmlns:a="http://schemas.openxmlformats.org/drawingml/2006/main" xmlns:r="http://schemas.openxmlformats.org/officeDocument/2006/relationships" xmlns:p="http://schemas.openxmlformats.org/presentationml/2006/main">
-  <p:tag name="KSO_WM_TEMPLATE_CATEGORY" val="custom"/>
-  <p:tag name="KSO_WM_TEMPLATE_INDEX" val="160336"/>
-  <p:tag name="KSO_WM_TAG_VERSION" val="1.0"/>
-  <p:tag name="KSO_WM_SLIDE_ID" val="custom160336_13"/>
-  <p:tag name="KSO_WM_SLIDE_INDEX" val="13"/>
-  <p:tag name="KSO_WM_SLIDE_ITEM_CNT" val="2"/>
-  <p:tag name="KSO_WM_SLIDE_LAYOUT" val="a_l_f"/>
-  <p:tag name="KSO_WM_SLIDE_LAYOUT_CNT" val="1_1_1"/>
-  <p:tag name="KSO_WM_SLIDE_TYPE" val="text"/>
-  <p:tag name="KSO_WM_BEAUTIFY_FLAG" val="#wm#"/>
-  <p:tag name="KSO_WM_SLIDE_POSITION" val="101*174"/>
-  <p:tag name="KSO_WM_SLIDE_SIZE" val="660*244"/>
-  <p:tag name="KSO_WM_DIAGRAM_GROUP_CODE" val="l1-2"/>
-</p:tagLst>
-</file>
-
-<file path=ppt/tags/tag54.xml><?xml version="1.0" encoding="utf-8"?>
-<p:tagLst xmlns:a="http://schemas.openxmlformats.org/drawingml/2006/main" xmlns:r="http://schemas.openxmlformats.org/officeDocument/2006/relationships" xmlns:p="http://schemas.openxmlformats.org/presentationml/2006/main">
-  <p:tag name="KSO_WM_TAG_VERSION" val="1.0"/>
-  <p:tag name="KSO_WM_BEAUTIFY_FLAG" val="#wm#"/>
-  <p:tag name="KSO_WM_TEMPLATE_CATEGORY" val="custom"/>
-  <p:tag name="KSO_WM_TEMPLATE_INDEX" val="160336"/>
-  <p:tag name="KSO_WM_UNIT_TYPE" val="a"/>
-  <p:tag name="KSO_WM_UNIT_INDEX" val="1"/>
-  <p:tag name="KSO_WM_UNIT_ID" val="custom160336_13*a*1"/>
-  <p:tag name="KSO_WM_UNIT_CLEAR" val="1"/>
-  <p:tag name="KSO_WM_UNIT_LAYERLEVEL" val="1"/>
-  <p:tag name="KSO_WM_UNIT_VALUE" val="31"/>
-  <p:tag name="KSO_WM_UNIT_ISCONTENTSTITLE" val="0"/>
-  <p:tag name="KSO_WM_UNIT_HIGHLIGHT" val="0"/>
-  <p:tag name="KSO_WM_UNIT_COMPATIBLE" val="0"/>
-  <p:tag name="KSO_WM_UNIT_PRESET_TEXT_INDEX" val="3"/>
-  <p:tag name="KSO_WM_UNIT_PRESET_TEXT_LEN" val="17"/>
-</p:tagLst>
-</file>
-
-<file path=ppt/tags/tag55.xml><?xml version="1.0" encoding="utf-8"?>
-<p:tagLst xmlns:a="http://schemas.openxmlformats.org/drawingml/2006/main" xmlns:r="http://schemas.openxmlformats.org/officeDocument/2006/relationships" xmlns:p="http://schemas.openxmlformats.org/presentationml/2006/main">
-  <p:tag name="KSO_WM_TEMPLATE_CATEGORY" val="custom"/>
-  <p:tag name="KSO_WM_TEMPLATE_INDEX" val="160336"/>
-  <p:tag name="KSO_WM_TAG_VERSION" val="1.0"/>
-  <p:tag name="KSO_WM_SLIDE_ID" val="custom160336_13"/>
-  <p:tag name="KSO_WM_SLIDE_INDEX" val="13"/>
-  <p:tag name="KSO_WM_SLIDE_ITEM_CNT" val="2"/>
-  <p:tag name="KSO_WM_SLIDE_LAYOUT" val="a_l_f"/>
-  <p:tag name="KSO_WM_SLIDE_LAYOUT_CNT" val="1_1_1"/>
-  <p:tag name="KSO_WM_SLIDE_TYPE" val="text"/>
-  <p:tag name="KSO_WM_BEAUTIFY_FLAG" val="#wm#"/>
-  <p:tag name="KSO_WM_SLIDE_POSITION" val="101*174"/>
-  <p:tag name="KSO_WM_SLIDE_SIZE" val="660*244"/>
-  <p:tag name="KSO_WM_DIAGRAM_GROUP_CODE" val="l1-2"/>
-</p:tagLst>
-</file>
-
-<file path=ppt/tags/tag56.xml><?xml version="1.0" encoding="utf-8"?>
-<p:tagLst xmlns:a="http://schemas.openxmlformats.org/drawingml/2006/main" xmlns:r="http://schemas.openxmlformats.org/officeDocument/2006/relationships" xmlns:p="http://schemas.openxmlformats.org/presentationml/2006/main">
-  <p:tag name="KSO_WM_TAG_VERSION" val="1.0"/>
-  <p:tag name="KSO_WM_BEAUTIFY_FLAG" val="#wm#"/>
-  <p:tag name="KSO_WM_TEMPLATE_CATEGORY" val="custom"/>
-  <p:tag name="KSO_WM_TEMPLATE_INDEX" val="160336"/>
-  <p:tag name="KSO_WM_UNIT_TYPE" val="a"/>
-  <p:tag name="KSO_WM_UNIT_INDEX" val="1"/>
-  <p:tag name="KSO_WM_UNIT_ID" val="custom160336_13*a*1"/>
-  <p:tag name="KSO_WM_UNIT_CLEAR" val="1"/>
-  <p:tag name="KSO_WM_UNIT_LAYERLEVEL" val="1"/>
-  <p:tag name="KSO_WM_UNIT_VALUE" val="31"/>
-  <p:tag name="KSO_WM_UNIT_ISCONTENTSTITLE" val="0"/>
-  <p:tag name="KSO_WM_UNIT_HIGHLIGHT" val="0"/>
-  <p:tag name="KSO_WM_UNIT_COMPATIBLE" val="0"/>
-  <p:tag name="KSO_WM_UNIT_PRESET_TEXT_INDEX" val="3"/>
-  <p:tag name="KSO_WM_UNIT_PRESET_TEXT_LEN" val="17"/>
-</p:tagLst>
-</file>
-
-<file path=ppt/tags/tag57.xml><?xml version="1.0" encoding="utf-8"?>
+<file path=ppt/tags/tag45.xml><?xml version="1.0" encoding="utf-8"?>
 <p:tagLst xmlns:a="http://schemas.openxmlformats.org/drawingml/2006/main" xmlns:r="http://schemas.openxmlformats.org/officeDocument/2006/relationships" xmlns:p="http://schemas.openxmlformats.org/presentationml/2006/main">
   <p:tag name="KSO_WM_TEMPLATE_CATEGORY" val="custom"/>
   <p:tag name="KSO_WM_TEMPLATE_INDEX" val="160336"/>
@@ -26980,7 +26049,7 @@
 </p:tagLst>
 </file>
 
-<file path=ppt/tags/tag58.xml><?xml version="1.0" encoding="utf-8"?>
+<file path=ppt/tags/tag46.xml><?xml version="1.0" encoding="utf-8"?>
 <p:tagLst xmlns:a="http://schemas.openxmlformats.org/drawingml/2006/main" xmlns:r="http://schemas.openxmlformats.org/officeDocument/2006/relationships" xmlns:p="http://schemas.openxmlformats.org/presentationml/2006/main">
   <p:tag name="KSO_WM_TAG_VERSION" val="1.0"/>
   <p:tag name="KSO_WM_BEAUTIFY_FLAG" val="#wm#"/>
@@ -26992,7 +26061,7 @@
 </p:tagLst>
 </file>
 
-<file path=ppt/tags/tag59.xml><?xml version="1.0" encoding="utf-8"?>
+<file path=ppt/tags/tag47.xml><?xml version="1.0" encoding="utf-8"?>
 <p:tagLst xmlns:a="http://schemas.openxmlformats.org/drawingml/2006/main" xmlns:r="http://schemas.openxmlformats.org/officeDocument/2006/relationships" xmlns:p="http://schemas.openxmlformats.org/presentationml/2006/main">
   <p:tag name="KSO_WM_TAG_VERSION" val="1.0"/>
   <p:tag name="KSO_WM_BEAUTIFY_FLAG" val="#wm#"/>
@@ -27012,19 +26081,7 @@
 </p:tagLst>
 </file>
 
-<file path=ppt/tags/tag6.xml><?xml version="1.0" encoding="utf-8"?>
-<p:tagLst xmlns:a="http://schemas.openxmlformats.org/drawingml/2006/main" xmlns:r="http://schemas.openxmlformats.org/officeDocument/2006/relationships" xmlns:p="http://schemas.openxmlformats.org/presentationml/2006/main">
-  <p:tag name="KSO_WM_TAG_VERSION" val="1.0"/>
-  <p:tag name="KSO_WM_BEAUTIFY_FLAG" val="#wm#"/>
-  <p:tag name="KSO_WM_UNIT_TYPE" val="i"/>
-  <p:tag name="KSO_WM_UNIT_ID" val="custom160336_28*i*11"/>
-  <p:tag name="KSO_WM_TEMPLATE_CATEGORY" val="custom"/>
-  <p:tag name="KSO_WM_TEMPLATE_INDEX" val="160336"/>
-  <p:tag name="KSO_WM_UNIT_INDEX" val="11"/>
-</p:tagLst>
-</file>
-
-<file path=ppt/tags/tag60.xml><?xml version="1.0" encoding="utf-8"?>
+<file path=ppt/tags/tag48.xml><?xml version="1.0" encoding="utf-8"?>
 <p:tagLst xmlns:a="http://schemas.openxmlformats.org/drawingml/2006/main" xmlns:r="http://schemas.openxmlformats.org/officeDocument/2006/relationships" xmlns:p="http://schemas.openxmlformats.org/presentationml/2006/main">
   <p:tag name="KSO_WM_TAG_VERSION" val="1.0"/>
   <p:tag name="KSO_WM_BEAUTIFY_FLAG" val="#wm#"/>
@@ -27043,7 +26100,7 @@
 </p:tagLst>
 </file>
 
-<file path=ppt/tags/tag61.xml><?xml version="1.0" encoding="utf-8"?>
+<file path=ppt/tags/tag49.xml><?xml version="1.0" encoding="utf-8"?>
 <p:tagLst xmlns:a="http://schemas.openxmlformats.org/drawingml/2006/main" xmlns:r="http://schemas.openxmlformats.org/officeDocument/2006/relationships" xmlns:p="http://schemas.openxmlformats.org/presentationml/2006/main">
   <p:tag name="KSO_WM_TAG_VERSION" val="1.0"/>
   <p:tag name="KSO_WM_BEAUTIFY_FLAG" val="#wm#"/>
@@ -27055,7 +26112,19 @@
 </p:tagLst>
 </file>
 
-<file path=ppt/tags/tag62.xml><?xml version="1.0" encoding="utf-8"?>
+<file path=ppt/tags/tag5.xml><?xml version="1.0" encoding="utf-8"?>
+<p:tagLst xmlns:a="http://schemas.openxmlformats.org/drawingml/2006/main" xmlns:r="http://schemas.openxmlformats.org/officeDocument/2006/relationships" xmlns:p="http://schemas.openxmlformats.org/presentationml/2006/main">
+  <p:tag name="KSO_WM_TAG_VERSION" val="1.0"/>
+  <p:tag name="KSO_WM_BEAUTIFY_FLAG" val="#wm#"/>
+  <p:tag name="KSO_WM_UNIT_TYPE" val="i"/>
+  <p:tag name="KSO_WM_UNIT_ID" val="custom160336_11*i*0"/>
+  <p:tag name="KSO_WM_TEMPLATE_CATEGORY" val="custom"/>
+  <p:tag name="KSO_WM_TEMPLATE_INDEX" val="160336"/>
+  <p:tag name="KSO_WM_UNIT_INDEX" val="0"/>
+</p:tagLst>
+</file>
+
+<file path=ppt/tags/tag50.xml><?xml version="1.0" encoding="utf-8"?>
 <p:tagLst xmlns:a="http://schemas.openxmlformats.org/drawingml/2006/main" xmlns:r="http://schemas.openxmlformats.org/officeDocument/2006/relationships" xmlns:p="http://schemas.openxmlformats.org/presentationml/2006/main">
   <p:tag name="KSO_WM_TAG_VERSION" val="1.0"/>
   <p:tag name="KSO_WM_BEAUTIFY_FLAG" val="#wm#"/>
@@ -27067,7 +26136,7 @@
 </p:tagLst>
 </file>
 
-<file path=ppt/tags/tag63.xml><?xml version="1.0" encoding="utf-8"?>
+<file path=ppt/tags/tag51.xml><?xml version="1.0" encoding="utf-8"?>
 <p:tagLst xmlns:a="http://schemas.openxmlformats.org/drawingml/2006/main" xmlns:r="http://schemas.openxmlformats.org/officeDocument/2006/relationships" xmlns:p="http://schemas.openxmlformats.org/presentationml/2006/main">
   <p:tag name="KSO_WM_TAG_VERSION" val="1.0"/>
   <p:tag name="KSO_WM_BEAUTIFY_FLAG" val="#wm#"/>
@@ -27079,7 +26148,7 @@
 </p:tagLst>
 </file>
 
-<file path=ppt/tags/tag64.xml><?xml version="1.0" encoding="utf-8"?>
+<file path=ppt/tags/tag52.xml><?xml version="1.0" encoding="utf-8"?>
 <p:tagLst xmlns:a="http://schemas.openxmlformats.org/drawingml/2006/main" xmlns:r="http://schemas.openxmlformats.org/officeDocument/2006/relationships" xmlns:p="http://schemas.openxmlformats.org/presentationml/2006/main">
   <p:tag name="KSO_WM_TAG_VERSION" val="1.0"/>
   <p:tag name="KSO_WM_BEAUTIFY_FLAG" val="#wm#"/>
@@ -27091,7 +26160,7 @@
 </p:tagLst>
 </file>
 
-<file path=ppt/tags/tag65.xml><?xml version="1.0" encoding="utf-8"?>
+<file path=ppt/tags/tag53.xml><?xml version="1.0" encoding="utf-8"?>
 <p:tagLst xmlns:a="http://schemas.openxmlformats.org/drawingml/2006/main" xmlns:r="http://schemas.openxmlformats.org/officeDocument/2006/relationships" xmlns:p="http://schemas.openxmlformats.org/presentationml/2006/main">
   <p:tag name="KSO_WM_TEMPLATE_CATEGORY" val="custom"/>
   <p:tag name="KSO_WM_TEMPLATE_INDEX" val="160336"/>
@@ -27106,7 +26175,7 @@
 </p:tagLst>
 </file>
 
-<file path=ppt/tags/tag66.xml><?xml version="1.0" encoding="utf-8"?>
+<file path=ppt/tags/tag54.xml><?xml version="1.0" encoding="utf-8"?>
 <p:tagLst xmlns:a="http://schemas.openxmlformats.org/drawingml/2006/main" xmlns:r="http://schemas.openxmlformats.org/officeDocument/2006/relationships" xmlns:p="http://schemas.openxmlformats.org/presentationml/2006/main">
   <p:tag name="KSO_WM_TAG_VERSION" val="1.0"/>
   <p:tag name="KSO_WM_BEAUTIFY_FLAG" val="#wm#"/>
@@ -27125,6 +26194,18 @@
 </p:tagLst>
 </file>
 
+<file path=ppt/tags/tag6.xml><?xml version="1.0" encoding="utf-8"?>
+<p:tagLst xmlns:a="http://schemas.openxmlformats.org/drawingml/2006/main" xmlns:r="http://schemas.openxmlformats.org/officeDocument/2006/relationships" xmlns:p="http://schemas.openxmlformats.org/presentationml/2006/main">
+  <p:tag name="KSO_WM_TAG_VERSION" val="1.0"/>
+  <p:tag name="KSO_WM_BEAUTIFY_FLAG" val="#wm#"/>
+  <p:tag name="KSO_WM_UNIT_TYPE" val="i"/>
+  <p:tag name="KSO_WM_UNIT_ID" val="custom160336_11*i*5"/>
+  <p:tag name="KSO_WM_TEMPLATE_CATEGORY" val="custom"/>
+  <p:tag name="KSO_WM_TEMPLATE_INDEX" val="160336"/>
+  <p:tag name="KSO_WM_UNIT_INDEX" val="5"/>
+</p:tagLst>
+</file>
+
 <file path=ppt/tags/tag7.xml><?xml version="1.0" encoding="utf-8"?>
 <p:tagLst xmlns:a="http://schemas.openxmlformats.org/drawingml/2006/main" xmlns:r="http://schemas.openxmlformats.org/officeDocument/2006/relationships" xmlns:p="http://schemas.openxmlformats.org/presentationml/2006/main">
   <p:tag name="KSO_WM_TAG_VERSION" val="1.0"/>
@@ -27133,15 +26214,14 @@
   <p:tag name="KSO_WM_TEMPLATE_INDEX" val="160336"/>
   <p:tag name="KSO_WM_UNIT_TYPE" val="a"/>
   <p:tag name="KSO_WM_UNIT_INDEX" val="1"/>
-  <p:tag name="KSO_WM_UNIT_ID" val="custom160336_28*a*1"/>
+  <p:tag name="KSO_WM_UNIT_ID" val="custom160336_11*a*1"/>
   <p:tag name="KSO_WM_UNIT_CLEAR" val="1"/>
   <p:tag name="KSO_WM_UNIT_LAYERLEVEL" val="1"/>
-  <p:tag name="KSO_WM_UNIT_VALUE" val="31"/>
-  <p:tag name="KSO_WM_UNIT_ISCONTENTSTITLE" val="0"/>
+  <p:tag name="KSO_WM_UNIT_ISCONTENTSTITLE" val="1"/>
+  <p:tag name="KSO_WM_UNIT_VALUE" val="5"/>
   <p:tag name="KSO_WM_UNIT_HIGHLIGHT" val="0"/>
   <p:tag name="KSO_WM_UNIT_COMPATIBLE" val="0"/>
-  <p:tag name="KSO_WM_UNIT_PRESET_TEXT_INDEX" val="3"/>
-  <p:tag name="KSO_WM_UNIT_PRESET_TEXT_LEN" val="17"/>
+  <p:tag name="KSO_WM_UNIT_PRESET_TEXT" val="CONTENTS"/>
 </p:tagLst>
 </file>
 
@@ -27149,11 +26229,22 @@
 <p:tagLst xmlns:a="http://schemas.openxmlformats.org/drawingml/2006/main" xmlns:r="http://schemas.openxmlformats.org/officeDocument/2006/relationships" xmlns:p="http://schemas.openxmlformats.org/presentationml/2006/main">
   <p:tag name="KSO_WM_TAG_VERSION" val="1.0"/>
   <p:tag name="KSO_WM_BEAUTIFY_FLAG" val="#wm#"/>
-  <p:tag name="KSO_WM_UNIT_TYPE" val="i"/>
-  <p:tag name="KSO_WM_UNIT_ID" val="custom160336_28*i*18"/>
   <p:tag name="KSO_WM_TEMPLATE_CATEGORY" val="custom"/>
   <p:tag name="KSO_WM_TEMPLATE_INDEX" val="160336"/>
-  <p:tag name="KSO_WM_UNIT_INDEX" val="18"/>
+  <p:tag name="KSO_WM_UNIT_TYPE" val="l_h_f"/>
+  <p:tag name="KSO_WM_UNIT_INDEX" val="1_2_1"/>
+  <p:tag name="KSO_WM_UNIT_ID" val="custom160336_11*l_h_f*1_2_1"/>
+  <p:tag name="KSO_WM_UNIT_CLEAR" val="1"/>
+  <p:tag name="KSO_WM_UNIT_LAYERLEVEL" val="1_1_1"/>
+  <p:tag name="KSO_WM_UNIT_VALUE" val="15"/>
+  <p:tag name="KSO_WM_UNIT_HIGHLIGHT" val="0"/>
+  <p:tag name="KSO_WM_UNIT_COMPATIBLE" val="0"/>
+  <p:tag name="KSO_WM_UNIT_PRESET_TEXT_INDEX" val="4"/>
+  <p:tag name="KSO_WM_UNIT_PRESET_TEXT_LEN" val="26"/>
+  <p:tag name="KSO_WM_DIAGRAM_GROUP_CODE" val="l1-1"/>
+  <p:tag name="KSO_WM_UNIT_TEXT_FILL_FORE_SCHEMECOLOR_INDEX" val="13"/>
+  <p:tag name="KSO_WM_UNIT_TEXT_FILL_TYPE" val="1"/>
+  <p:tag name="KSO_WM_UNIT_USESOURCEFORMAT_APPLY" val="1"/>
 </p:tagLst>
 </file>
 
@@ -27161,11 +26252,17 @@
 <p:tagLst xmlns:a="http://schemas.openxmlformats.org/drawingml/2006/main" xmlns:r="http://schemas.openxmlformats.org/officeDocument/2006/relationships" xmlns:p="http://schemas.openxmlformats.org/presentationml/2006/main">
   <p:tag name="KSO_WM_TAG_VERSION" val="1.0"/>
   <p:tag name="KSO_WM_BEAUTIFY_FLAG" val="#wm#"/>
-  <p:tag name="KSO_WM_UNIT_TYPE" val="i"/>
-  <p:tag name="KSO_WM_UNIT_ID" val="custom160336_28*i*19"/>
   <p:tag name="KSO_WM_TEMPLATE_CATEGORY" val="custom"/>
   <p:tag name="KSO_WM_TEMPLATE_INDEX" val="160336"/>
-  <p:tag name="KSO_WM_UNIT_INDEX" val="19"/>
+  <p:tag name="KSO_WM_UNIT_TYPE" val="l_i"/>
+  <p:tag name="KSO_WM_UNIT_INDEX" val="1_2"/>
+  <p:tag name="KSO_WM_UNIT_ID" val="custom160336_11*l_i*1_2"/>
+  <p:tag name="KSO_WM_UNIT_CLEAR" val="1"/>
+  <p:tag name="KSO_WM_UNIT_LAYERLEVEL" val="1_1"/>
+  <p:tag name="KSO_WM_DIAGRAM_GROUP_CODE" val="l1-1"/>
+  <p:tag name="KSO_WM_UNIT_FILL_FORE_SCHEMECOLOR_INDEX" val="6"/>
+  <p:tag name="KSO_WM_UNIT_FILL_TYPE" val="1"/>
+  <p:tag name="KSO_WM_UNIT_USESOURCEFORMAT_APPLY" val="1"/>
 </p:tagLst>
 </file>
 
